--- a/Information Retrieval.pptx
+++ b/Information Retrieval.pptx
@@ -6,7 +6,7 @@
     <p:sldMasterId id="2147484114" r:id="rId5"/>
   </p:sldMasterIdLst>
   <p:notesMasterIdLst>
-    <p:notesMasterId r:id="rId17"/>
+    <p:notesMasterId r:id="rId23"/>
   </p:notesMasterIdLst>
   <p:sldIdLst>
     <p:sldId id="257" r:id="rId6"/>
@@ -17,9 +17,15 @@
     <p:sldId id="279" r:id="rId11"/>
     <p:sldId id="270" r:id="rId12"/>
     <p:sldId id="281" r:id="rId13"/>
-    <p:sldId id="282" r:id="rId14"/>
-    <p:sldId id="283" r:id="rId15"/>
-    <p:sldId id="259" r:id="rId16"/>
+    <p:sldId id="285" r:id="rId14"/>
+    <p:sldId id="286" r:id="rId15"/>
+    <p:sldId id="284" r:id="rId16"/>
+    <p:sldId id="287" r:id="rId17"/>
+    <p:sldId id="288" r:id="rId18"/>
+    <p:sldId id="290" r:id="rId19"/>
+    <p:sldId id="291" r:id="rId20"/>
+    <p:sldId id="292" r:id="rId21"/>
+    <p:sldId id="259" r:id="rId22"/>
   </p:sldIdLst>
   <p:sldSz cx="12192000" cy="6858000"/>
   <p:notesSz cx="6805613" cy="9944100"/>
@@ -267,7 +273,7 @@
           <a:p>
             <a:fld id="{A9723468-0D86-4F35-9A63-FAB835CAA7A4}" type="datetimeFigureOut">
               <a:rPr lang="en-BE" smtClean="0"/>
-              <a:t>20/12/2021</a:t>
+              <a:t>03/01/2022</a:t>
             </a:fld>
             <a:endParaRPr lang="en-BE"/>
           </a:p>
@@ -667,23 +673,6 @@
           <a:bodyPr/>
           <a:lstStyle/>
           <a:p>
-            <a:r>
-              <a:rPr lang="en-US" dirty="0"/>
-              <a:t>The most important thing I have to do now is calculate the precision and recall of the models, to be able to compare the models I already tried and to be able to show some results. Next I have to try some different models and parameters and compare the results with the different approaches, like a simple lexical approach. </a:t>
-            </a:r>
-          </a:p>
-          <a:p>
-            <a:endParaRPr lang="en-US" dirty="0"/>
-          </a:p>
-          <a:p>
-            <a:r>
-              <a:rPr lang="en-US" dirty="0"/>
-              <a:t>TODO: Also try some different max </a:t>
-            </a:r>
-            <a:r>
-              <a:rPr lang="en-US" dirty="0" err="1"/>
-              <a:t>lenghts</a:t>
-            </a:r>
             <a:endParaRPr lang="en-BE" dirty="0"/>
           </a:p>
         </p:txBody>
@@ -714,7 +703,7 @@
     </p:spTree>
     <p:extLst>
       <p:ext uri="{BB962C8B-B14F-4D97-AF65-F5344CB8AC3E}">
-        <p14:creationId xmlns:p14="http://schemas.microsoft.com/office/powerpoint/2010/main" val="62364070"/>
+        <p14:creationId xmlns:p14="http://schemas.microsoft.com/office/powerpoint/2010/main" val="3919459906"/>
       </p:ext>
     </p:extLst>
   </p:cSld>
@@ -790,6 +779,426 @@
             <a:fld id="{2EC49853-82C1-48BE-A3E9-209ADE1D1A1E}" type="slidenum">
               <a:rPr lang="en-BE" smtClean="0"/>
               <a:t>11</a:t>
+            </a:fld>
+            <a:endParaRPr lang="en-BE"/>
+          </a:p>
+        </p:txBody>
+      </p:sp>
+    </p:spTree>
+    <p:extLst>
+      <p:ext uri="{BB962C8B-B14F-4D97-AF65-F5344CB8AC3E}">
+        <p14:creationId xmlns:p14="http://schemas.microsoft.com/office/powerpoint/2010/main" val="1860481474"/>
+      </p:ext>
+    </p:extLst>
+  </p:cSld>
+  <p:clrMapOvr>
+    <a:masterClrMapping/>
+  </p:clrMapOvr>
+</p:notes>
+</file>
+
+<file path=ppt/notesSlides/notesSlide12.xml><?xml version="1.0" encoding="utf-8"?>
+<p:notes xmlns:a="http://schemas.openxmlformats.org/drawingml/2006/main" xmlns:r="http://schemas.openxmlformats.org/officeDocument/2006/relationships" xmlns:p="http://schemas.openxmlformats.org/presentationml/2006/main">
+  <p:cSld>
+    <p:spTree>
+      <p:nvGrpSpPr>
+        <p:cNvPr id="1" name=""/>
+        <p:cNvGrpSpPr/>
+        <p:nvPr/>
+      </p:nvGrpSpPr>
+      <p:grpSpPr>
+        <a:xfrm>
+          <a:off x="0" y="0"/>
+          <a:ext cx="0" cy="0"/>
+          <a:chOff x="0" y="0"/>
+          <a:chExt cx="0" cy="0"/>
+        </a:xfrm>
+      </p:grpSpPr>
+      <p:sp>
+        <p:nvSpPr>
+          <p:cNvPr id="2" name="Slide Image Placeholder 1"/>
+          <p:cNvSpPr>
+            <a:spLocks noGrp="1" noRot="1" noChangeAspect="1"/>
+          </p:cNvSpPr>
+          <p:nvPr>
+            <p:ph type="sldImg"/>
+          </p:nvPr>
+        </p:nvSpPr>
+        <p:spPr/>
+      </p:sp>
+      <p:sp>
+        <p:nvSpPr>
+          <p:cNvPr id="3" name="Notes Placeholder 2"/>
+          <p:cNvSpPr>
+            <a:spLocks noGrp="1"/>
+          </p:cNvSpPr>
+          <p:nvPr>
+            <p:ph type="body" idx="1"/>
+          </p:nvPr>
+        </p:nvSpPr>
+        <p:spPr/>
+        <p:txBody>
+          <a:bodyPr/>
+          <a:lstStyle/>
+          <a:p>
+            <a:endParaRPr lang="en-BE" dirty="0"/>
+          </a:p>
+        </p:txBody>
+      </p:sp>
+      <p:sp>
+        <p:nvSpPr>
+          <p:cNvPr id="4" name="Slide Number Placeholder 3"/>
+          <p:cNvSpPr>
+            <a:spLocks noGrp="1"/>
+          </p:cNvSpPr>
+          <p:nvPr>
+            <p:ph type="sldNum" sz="quarter" idx="5"/>
+          </p:nvPr>
+        </p:nvSpPr>
+        <p:spPr/>
+        <p:txBody>
+          <a:bodyPr/>
+          <a:lstStyle/>
+          <a:p>
+            <a:fld id="{2EC49853-82C1-48BE-A3E9-209ADE1D1A1E}" type="slidenum">
+              <a:rPr lang="en-BE" smtClean="0"/>
+              <a:t>12</a:t>
+            </a:fld>
+            <a:endParaRPr lang="en-BE"/>
+          </a:p>
+        </p:txBody>
+      </p:sp>
+    </p:spTree>
+    <p:extLst>
+      <p:ext uri="{BB962C8B-B14F-4D97-AF65-F5344CB8AC3E}">
+        <p14:creationId xmlns:p14="http://schemas.microsoft.com/office/powerpoint/2010/main" val="3425152610"/>
+      </p:ext>
+    </p:extLst>
+  </p:cSld>
+  <p:clrMapOvr>
+    <a:masterClrMapping/>
+  </p:clrMapOvr>
+</p:notes>
+</file>
+
+<file path=ppt/notesSlides/notesSlide13.xml><?xml version="1.0" encoding="utf-8"?>
+<p:notes xmlns:a="http://schemas.openxmlformats.org/drawingml/2006/main" xmlns:r="http://schemas.openxmlformats.org/officeDocument/2006/relationships" xmlns:p="http://schemas.openxmlformats.org/presentationml/2006/main">
+  <p:cSld>
+    <p:spTree>
+      <p:nvGrpSpPr>
+        <p:cNvPr id="1" name=""/>
+        <p:cNvGrpSpPr/>
+        <p:nvPr/>
+      </p:nvGrpSpPr>
+      <p:grpSpPr>
+        <a:xfrm>
+          <a:off x="0" y="0"/>
+          <a:ext cx="0" cy="0"/>
+          <a:chOff x="0" y="0"/>
+          <a:chExt cx="0" cy="0"/>
+        </a:xfrm>
+      </p:grpSpPr>
+      <p:sp>
+        <p:nvSpPr>
+          <p:cNvPr id="2" name="Slide Image Placeholder 1"/>
+          <p:cNvSpPr>
+            <a:spLocks noGrp="1" noRot="1" noChangeAspect="1"/>
+          </p:cNvSpPr>
+          <p:nvPr>
+            <p:ph type="sldImg"/>
+          </p:nvPr>
+        </p:nvSpPr>
+        <p:spPr/>
+      </p:sp>
+      <p:sp>
+        <p:nvSpPr>
+          <p:cNvPr id="3" name="Notes Placeholder 2"/>
+          <p:cNvSpPr>
+            <a:spLocks noGrp="1"/>
+          </p:cNvSpPr>
+          <p:nvPr>
+            <p:ph type="body" idx="1"/>
+          </p:nvPr>
+        </p:nvSpPr>
+        <p:spPr/>
+        <p:txBody>
+          <a:bodyPr/>
+          <a:lstStyle/>
+          <a:p>
+            <a:endParaRPr lang="en-BE" dirty="0"/>
+          </a:p>
+        </p:txBody>
+      </p:sp>
+      <p:sp>
+        <p:nvSpPr>
+          <p:cNvPr id="4" name="Slide Number Placeholder 3"/>
+          <p:cNvSpPr>
+            <a:spLocks noGrp="1"/>
+          </p:cNvSpPr>
+          <p:nvPr>
+            <p:ph type="sldNum" sz="quarter" idx="5"/>
+          </p:nvPr>
+        </p:nvSpPr>
+        <p:spPr/>
+        <p:txBody>
+          <a:bodyPr/>
+          <a:lstStyle/>
+          <a:p>
+            <a:fld id="{2EC49853-82C1-48BE-A3E9-209ADE1D1A1E}" type="slidenum">
+              <a:rPr lang="en-BE" smtClean="0"/>
+              <a:t>14</a:t>
+            </a:fld>
+            <a:endParaRPr lang="en-BE"/>
+          </a:p>
+        </p:txBody>
+      </p:sp>
+    </p:spTree>
+    <p:extLst>
+      <p:ext uri="{BB962C8B-B14F-4D97-AF65-F5344CB8AC3E}">
+        <p14:creationId xmlns:p14="http://schemas.microsoft.com/office/powerpoint/2010/main" val="2583368323"/>
+      </p:ext>
+    </p:extLst>
+  </p:cSld>
+  <p:clrMapOvr>
+    <a:masterClrMapping/>
+  </p:clrMapOvr>
+</p:notes>
+</file>
+
+<file path=ppt/notesSlides/notesSlide14.xml><?xml version="1.0" encoding="utf-8"?>
+<p:notes xmlns:a="http://schemas.openxmlformats.org/drawingml/2006/main" xmlns:r="http://schemas.openxmlformats.org/officeDocument/2006/relationships" xmlns:p="http://schemas.openxmlformats.org/presentationml/2006/main">
+  <p:cSld>
+    <p:spTree>
+      <p:nvGrpSpPr>
+        <p:cNvPr id="1" name=""/>
+        <p:cNvGrpSpPr/>
+        <p:nvPr/>
+      </p:nvGrpSpPr>
+      <p:grpSpPr>
+        <a:xfrm>
+          <a:off x="0" y="0"/>
+          <a:ext cx="0" cy="0"/>
+          <a:chOff x="0" y="0"/>
+          <a:chExt cx="0" cy="0"/>
+        </a:xfrm>
+      </p:grpSpPr>
+      <p:sp>
+        <p:nvSpPr>
+          <p:cNvPr id="2" name="Slide Image Placeholder 1"/>
+          <p:cNvSpPr>
+            <a:spLocks noGrp="1" noRot="1" noChangeAspect="1"/>
+          </p:cNvSpPr>
+          <p:nvPr>
+            <p:ph type="sldImg"/>
+          </p:nvPr>
+        </p:nvSpPr>
+        <p:spPr/>
+      </p:sp>
+      <p:sp>
+        <p:nvSpPr>
+          <p:cNvPr id="3" name="Notes Placeholder 2"/>
+          <p:cNvSpPr>
+            <a:spLocks noGrp="1"/>
+          </p:cNvSpPr>
+          <p:nvPr>
+            <p:ph type="body" idx="1"/>
+          </p:nvPr>
+        </p:nvSpPr>
+        <p:spPr/>
+        <p:txBody>
+          <a:bodyPr/>
+          <a:lstStyle/>
+          <a:p>
+            <a:endParaRPr lang="en-BE" dirty="0"/>
+          </a:p>
+        </p:txBody>
+      </p:sp>
+      <p:sp>
+        <p:nvSpPr>
+          <p:cNvPr id="4" name="Slide Number Placeholder 3"/>
+          <p:cNvSpPr>
+            <a:spLocks noGrp="1"/>
+          </p:cNvSpPr>
+          <p:nvPr>
+            <p:ph type="sldNum" sz="quarter" idx="5"/>
+          </p:nvPr>
+        </p:nvSpPr>
+        <p:spPr/>
+        <p:txBody>
+          <a:bodyPr/>
+          <a:lstStyle/>
+          <a:p>
+            <a:fld id="{2EC49853-82C1-48BE-A3E9-209ADE1D1A1E}" type="slidenum">
+              <a:rPr lang="en-BE" smtClean="0"/>
+              <a:t>15</a:t>
+            </a:fld>
+            <a:endParaRPr lang="en-BE"/>
+          </a:p>
+        </p:txBody>
+      </p:sp>
+    </p:spTree>
+    <p:extLst>
+      <p:ext uri="{BB962C8B-B14F-4D97-AF65-F5344CB8AC3E}">
+        <p14:creationId xmlns:p14="http://schemas.microsoft.com/office/powerpoint/2010/main" val="3153351144"/>
+      </p:ext>
+    </p:extLst>
+  </p:cSld>
+  <p:clrMapOvr>
+    <a:masterClrMapping/>
+  </p:clrMapOvr>
+</p:notes>
+</file>
+
+<file path=ppt/notesSlides/notesSlide15.xml><?xml version="1.0" encoding="utf-8"?>
+<p:notes xmlns:a="http://schemas.openxmlformats.org/drawingml/2006/main" xmlns:r="http://schemas.openxmlformats.org/officeDocument/2006/relationships" xmlns:p="http://schemas.openxmlformats.org/presentationml/2006/main">
+  <p:cSld>
+    <p:spTree>
+      <p:nvGrpSpPr>
+        <p:cNvPr id="1" name=""/>
+        <p:cNvGrpSpPr/>
+        <p:nvPr/>
+      </p:nvGrpSpPr>
+      <p:grpSpPr>
+        <a:xfrm>
+          <a:off x="0" y="0"/>
+          <a:ext cx="0" cy="0"/>
+          <a:chOff x="0" y="0"/>
+          <a:chExt cx="0" cy="0"/>
+        </a:xfrm>
+      </p:grpSpPr>
+      <p:sp>
+        <p:nvSpPr>
+          <p:cNvPr id="2" name="Slide Image Placeholder 1"/>
+          <p:cNvSpPr>
+            <a:spLocks noGrp="1" noRot="1" noChangeAspect="1"/>
+          </p:cNvSpPr>
+          <p:nvPr>
+            <p:ph type="sldImg"/>
+          </p:nvPr>
+        </p:nvSpPr>
+        <p:spPr/>
+      </p:sp>
+      <p:sp>
+        <p:nvSpPr>
+          <p:cNvPr id="3" name="Notes Placeholder 2"/>
+          <p:cNvSpPr>
+            <a:spLocks noGrp="1"/>
+          </p:cNvSpPr>
+          <p:nvPr>
+            <p:ph type="body" idx="1"/>
+          </p:nvPr>
+        </p:nvSpPr>
+        <p:spPr/>
+        <p:txBody>
+          <a:bodyPr/>
+          <a:lstStyle/>
+          <a:p>
+            <a:endParaRPr lang="en-BE" dirty="0"/>
+          </a:p>
+        </p:txBody>
+      </p:sp>
+      <p:sp>
+        <p:nvSpPr>
+          <p:cNvPr id="4" name="Slide Number Placeholder 3"/>
+          <p:cNvSpPr>
+            <a:spLocks noGrp="1"/>
+          </p:cNvSpPr>
+          <p:nvPr>
+            <p:ph type="sldNum" sz="quarter" idx="5"/>
+          </p:nvPr>
+        </p:nvSpPr>
+        <p:spPr/>
+        <p:txBody>
+          <a:bodyPr/>
+          <a:lstStyle/>
+          <a:p>
+            <a:fld id="{2EC49853-82C1-48BE-A3E9-209ADE1D1A1E}" type="slidenum">
+              <a:rPr lang="en-BE" smtClean="0"/>
+              <a:t>16</a:t>
+            </a:fld>
+            <a:endParaRPr lang="en-BE"/>
+          </a:p>
+        </p:txBody>
+      </p:sp>
+    </p:spTree>
+    <p:extLst>
+      <p:ext uri="{BB962C8B-B14F-4D97-AF65-F5344CB8AC3E}">
+        <p14:creationId xmlns:p14="http://schemas.microsoft.com/office/powerpoint/2010/main" val="1046150097"/>
+      </p:ext>
+    </p:extLst>
+  </p:cSld>
+  <p:clrMapOvr>
+    <a:masterClrMapping/>
+  </p:clrMapOvr>
+</p:notes>
+</file>
+
+<file path=ppt/notesSlides/notesSlide16.xml><?xml version="1.0" encoding="utf-8"?>
+<p:notes xmlns:a="http://schemas.openxmlformats.org/drawingml/2006/main" xmlns:r="http://schemas.openxmlformats.org/officeDocument/2006/relationships" xmlns:p="http://schemas.openxmlformats.org/presentationml/2006/main">
+  <p:cSld>
+    <p:spTree>
+      <p:nvGrpSpPr>
+        <p:cNvPr id="1" name=""/>
+        <p:cNvGrpSpPr/>
+        <p:nvPr/>
+      </p:nvGrpSpPr>
+      <p:grpSpPr>
+        <a:xfrm>
+          <a:off x="0" y="0"/>
+          <a:ext cx="0" cy="0"/>
+          <a:chOff x="0" y="0"/>
+          <a:chExt cx="0" cy="0"/>
+        </a:xfrm>
+      </p:grpSpPr>
+      <p:sp>
+        <p:nvSpPr>
+          <p:cNvPr id="2" name="Slide Image Placeholder 1"/>
+          <p:cNvSpPr>
+            <a:spLocks noGrp="1" noRot="1" noChangeAspect="1"/>
+          </p:cNvSpPr>
+          <p:nvPr>
+            <p:ph type="sldImg"/>
+          </p:nvPr>
+        </p:nvSpPr>
+        <p:spPr/>
+      </p:sp>
+      <p:sp>
+        <p:nvSpPr>
+          <p:cNvPr id="3" name="Notes Placeholder 2"/>
+          <p:cNvSpPr>
+            <a:spLocks noGrp="1"/>
+          </p:cNvSpPr>
+          <p:nvPr>
+            <p:ph type="body" idx="1"/>
+          </p:nvPr>
+        </p:nvSpPr>
+        <p:spPr/>
+        <p:txBody>
+          <a:bodyPr/>
+          <a:lstStyle/>
+          <a:p>
+            <a:endParaRPr lang="en-BE" dirty="0"/>
+          </a:p>
+        </p:txBody>
+      </p:sp>
+      <p:sp>
+        <p:nvSpPr>
+          <p:cNvPr id="4" name="Slide Number Placeholder 3"/>
+          <p:cNvSpPr>
+            <a:spLocks noGrp="1"/>
+          </p:cNvSpPr>
+          <p:nvPr>
+            <p:ph type="sldNum" sz="quarter" idx="5"/>
+          </p:nvPr>
+        </p:nvSpPr>
+        <p:spPr/>
+        <p:txBody>
+          <a:bodyPr/>
+          <a:lstStyle/>
+          <a:p>
+            <a:fld id="{2EC49853-82C1-48BE-A3E9-209ADE1D1A1E}" type="slidenum">
+              <a:rPr lang="en-BE" smtClean="0"/>
+              <a:t>17</a:t>
             </a:fld>
             <a:endParaRPr lang="en-BE"/>
           </a:p>
@@ -854,7 +1263,7 @@
           <a:p>
             <a:r>
               <a:rPr lang="en-US" dirty="0"/>
-              <a:t>As recommended in the assignment, I used BERT for the semantic analysis of the documents. BERT is a Transformer-based Neural network model. More specifically, I used Sentence-Bert, which makes representing entire documents as vectors faster and easier.</a:t>
+              <a:t>As recommended in the assignment, I used BERT for the semantic analysis of the documents. BERT is a Transformer-based Neural network model. More specifically, I used the sentence-transformers Python library, which provided an easy interface to use and refine some pretrained models. </a:t>
             </a:r>
             <a:endParaRPr lang="en-BE" dirty="0"/>
           </a:p>
@@ -1494,10 +1903,6 @@
           <a:bodyPr/>
           <a:lstStyle/>
           <a:p>
-            <a:r>
-              <a:rPr lang="en-US" dirty="0"/>
-              <a:t>Since my teammate dropped from the course, I haven’t finished everything yet, but I’ve already applied the methods mentioned in the SBERT documentation on our dataset. But I still have to do some things. </a:t>
-            </a:r>
             <a:endParaRPr lang="en-BE" dirty="0"/>
           </a:p>
         </p:txBody>
@@ -1528,7 +1933,7 @@
     </p:spTree>
     <p:extLst>
       <p:ext uri="{BB962C8B-B14F-4D97-AF65-F5344CB8AC3E}">
-        <p14:creationId xmlns:p14="http://schemas.microsoft.com/office/powerpoint/2010/main" val="2037491377"/>
+        <p14:creationId xmlns:p14="http://schemas.microsoft.com/office/powerpoint/2010/main" val="3542447500"/>
       </p:ext>
     </p:extLst>
   </p:cSld>
@@ -10382,10 +10787,42 @@
       </p:grpSpPr>
       <p:sp>
         <p:nvSpPr>
-          <p:cNvPr id="2" name="Slide Number Placeholder 1">
+          <p:cNvPr id="6" name="Title 5">
             <a:extLst>
               <a:ext uri="{FF2B5EF4-FFF2-40B4-BE49-F238E27FC236}">
-                <a16:creationId xmlns:a16="http://schemas.microsoft.com/office/drawing/2014/main" id="{C9CCF7B1-B9AE-A34E-B504-44173987E70C}"/>
+                <a16:creationId xmlns:a16="http://schemas.microsoft.com/office/drawing/2014/main" id="{23494FE7-D33E-49E5-9FED-BE14093B97DF}"/>
+              </a:ext>
+            </a:extLst>
+          </p:cNvPr>
+          <p:cNvSpPr>
+            <a:spLocks noGrp="1"/>
+          </p:cNvSpPr>
+          <p:nvPr>
+            <p:ph type="title"/>
+          </p:nvPr>
+        </p:nvSpPr>
+        <p:spPr/>
+        <p:txBody>
+          <a:bodyPr/>
+          <a:lstStyle/>
+          <a:p>
+            <a:r>
+              <a:rPr lang="en-US" noProof="0" dirty="0" err="1"/>
+              <a:t>CrossEncoder</a:t>
+            </a:r>
+            <a:r>
+              <a:rPr lang="en-US" noProof="0" dirty="0"/>
+              <a:t> selection</a:t>
+            </a:r>
+          </a:p>
+        </p:txBody>
+      </p:sp>
+      <p:sp>
+        <p:nvSpPr>
+          <p:cNvPr id="3" name="Slide Number Placeholder 2">
+            <a:extLst>
+              <a:ext uri="{FF2B5EF4-FFF2-40B4-BE49-F238E27FC236}">
+                <a16:creationId xmlns:a16="http://schemas.microsoft.com/office/drawing/2014/main" id="{ADD9C863-A5D5-2E4E-BD1E-C5C0C33F5D39}"/>
               </a:ext>
             </a:extLst>
           </p:cNvPr>
@@ -10407,20 +10844,20 @@
           <a:lstStyle/>
           <a:p>
             <a:fld id="{E038E271-308C-2E46-A3EC-56326F9084CC}" type="slidenum">
-              <a:rPr lang="en-US" smtClean="0"/>
+              <a:rPr lang="nl-BE" smtClean="0"/>
               <a:pPr/>
               <a:t>10</a:t>
             </a:fld>
-            <a:endParaRPr lang="en-US" dirty="0"/>
-          </a:p>
-        </p:txBody>
-      </p:sp>
-      <p:sp>
-        <p:nvSpPr>
-          <p:cNvPr id="8" name="Title 7">
+            <a:endParaRPr lang="nl-BE" dirty="0"/>
+          </a:p>
+        </p:txBody>
+      </p:sp>
+      <p:sp>
+        <p:nvSpPr>
+          <p:cNvPr id="7" name="Text Placeholder 6">
             <a:extLst>
               <a:ext uri="{FF2B5EF4-FFF2-40B4-BE49-F238E27FC236}">
-                <a16:creationId xmlns:a16="http://schemas.microsoft.com/office/drawing/2014/main" id="{8718D8DA-6885-4043-91C1-32FF4660B5E3}"/>
+                <a16:creationId xmlns:a16="http://schemas.microsoft.com/office/drawing/2014/main" id="{2D361F8A-5995-48A9-9138-5390614326DE}"/>
               </a:ext>
             </a:extLst>
           </p:cNvPr>
@@ -10428,7 +10865,7 @@
             <a:spLocks noGrp="1"/>
           </p:cNvSpPr>
           <p:nvPr>
-            <p:ph type="title"/>
+            <p:ph type="body" sz="quarter" idx="11"/>
           </p:nvPr>
         </p:nvSpPr>
         <p:spPr/>
@@ -10436,85 +10873,1103 @@
           <a:bodyPr/>
           <a:lstStyle/>
           <a:p>
-            <a:r>
-              <a:rPr lang="en-US" noProof="0" dirty="0"/>
-              <a:t>Next steps</a:t>
-            </a:r>
-          </a:p>
-        </p:txBody>
-      </p:sp>
-      <p:sp>
-        <p:nvSpPr>
-          <p:cNvPr id="9" name="Content Placeholder 8">
+            <a:pPr marL="0" indent="0">
+              <a:buNone/>
+            </a:pPr>
+            <a:endParaRPr lang="nl-BE" dirty="0"/>
+          </a:p>
+        </p:txBody>
+      </p:sp>
+      <p:graphicFrame>
+        <p:nvGraphicFramePr>
+          <p:cNvPr id="4" name="Table 4">
             <a:extLst>
               <a:ext uri="{FF2B5EF4-FFF2-40B4-BE49-F238E27FC236}">
-                <a16:creationId xmlns:a16="http://schemas.microsoft.com/office/drawing/2014/main" id="{A8E9E0A9-1EA9-4516-9DC5-43A351E6F8A9}"/>
+                <a16:creationId xmlns:a16="http://schemas.microsoft.com/office/drawing/2014/main" id="{C5950442-B1B2-499C-BBDD-6C6C8B92E9F7}"/>
               </a:ext>
             </a:extLst>
           </p:cNvPr>
-          <p:cNvSpPr>
-            <a:spLocks noGrp="1"/>
-          </p:cNvSpPr>
-          <p:nvPr>
-            <p:ph sz="quarter" idx="12"/>
-          </p:nvPr>
-        </p:nvSpPr>
-        <p:spPr/>
-        <p:txBody>
-          <a:bodyPr/>
-          <a:lstStyle/>
-          <a:p>
-            <a:r>
-              <a:rPr lang="en-US" dirty="0"/>
-              <a:t>Calculate precision &amp; recall</a:t>
-            </a:r>
-          </a:p>
-          <a:p>
-            <a:r>
-              <a:rPr lang="en-US" dirty="0"/>
-              <a:t>Different models</a:t>
-            </a:r>
-          </a:p>
-          <a:p>
-            <a:r>
-              <a:rPr lang="en-US" dirty="0"/>
-              <a:t>Compare results</a:t>
-            </a:r>
-          </a:p>
-          <a:p>
-            <a:endParaRPr lang="en-US" dirty="0"/>
-          </a:p>
-        </p:txBody>
-      </p:sp>
-      <p:pic>
-        <p:nvPicPr>
-          <p:cNvPr id="6" name="Picture Placeholder 5" descr="Text, letter&#10;&#10;Description automatically generated">
-            <a:extLst>
-              <a:ext uri="{FF2B5EF4-FFF2-40B4-BE49-F238E27FC236}">
-                <a16:creationId xmlns:a16="http://schemas.microsoft.com/office/drawing/2014/main" id="{67451D36-0F18-46D8-B153-DA5DF5A17BB4}"/>
-              </a:ext>
-            </a:extLst>
-          </p:cNvPr>
-          <p:cNvPicPr>
-            <a:picLocks noGrp="1" noChangeAspect="1"/>
-          </p:cNvPicPr>
-          <p:nvPr>
-            <p:ph type="pic" idx="1"/>
-          </p:nvPr>
-        </p:nvPicPr>
-        <p:blipFill>
-          <a:blip r:embed="rId3"/>
-          <a:srcRect l="24245" r="24245"/>
-          <a:stretch>
-            <a:fillRect/>
-          </a:stretch>
-        </p:blipFill>
-        <p:spPr/>
-      </p:pic>
+          <p:cNvGraphicFramePr>
+            <a:graphicFrameLocks noGrp="1"/>
+          </p:cNvGraphicFramePr>
+          <p:nvPr>
+            <p:extLst>
+              <p:ext uri="{D42A27DB-BD31-4B8C-83A1-F6EECF244321}">
+                <p14:modId xmlns:p14="http://schemas.microsoft.com/office/powerpoint/2010/main" val="1260993646"/>
+              </p:ext>
+            </p:extLst>
+          </p:nvPr>
+        </p:nvGraphicFramePr>
+        <p:xfrm>
+          <a:off x="623888" y="1532086"/>
+          <a:ext cx="11001716" cy="4180840"/>
+        </p:xfrm>
+        <a:graphic>
+          <a:graphicData uri="http://schemas.openxmlformats.org/drawingml/2006/table">
+            <a:tbl>
+              <a:tblPr firstRow="1" bandRow="1">
+                <a:tableStyleId>{5C22544A-7EE6-4342-B048-85BDC9FD1C3A}</a:tableStyleId>
+              </a:tblPr>
+              <a:tblGrid>
+                <a:gridCol w="5396185">
+                  <a:extLst>
+                    <a:ext uri="{9D8B030D-6E8A-4147-A177-3AD203B41FA5}">
+                      <a16:colId xmlns:a16="http://schemas.microsoft.com/office/drawing/2014/main" val="893250589"/>
+                    </a:ext>
+                  </a:extLst>
+                </a:gridCol>
+                <a:gridCol w="2032000">
+                  <a:extLst>
+                    <a:ext uri="{9D8B030D-6E8A-4147-A177-3AD203B41FA5}">
+                      <a16:colId xmlns:a16="http://schemas.microsoft.com/office/drawing/2014/main" val="12837825"/>
+                    </a:ext>
+                  </a:extLst>
+                </a:gridCol>
+                <a:gridCol w="2032000">
+                  <a:extLst>
+                    <a:ext uri="{9D8B030D-6E8A-4147-A177-3AD203B41FA5}">
+                      <a16:colId xmlns:a16="http://schemas.microsoft.com/office/drawing/2014/main" val="1683640150"/>
+                    </a:ext>
+                  </a:extLst>
+                </a:gridCol>
+                <a:gridCol w="1541531">
+                  <a:extLst>
+                    <a:ext uri="{9D8B030D-6E8A-4147-A177-3AD203B41FA5}">
+                      <a16:colId xmlns:a16="http://schemas.microsoft.com/office/drawing/2014/main" val="2542474634"/>
+                    </a:ext>
+                  </a:extLst>
+                </a:gridCol>
+              </a:tblGrid>
+              <a:tr h="370840">
+                <a:tc>
+                  <a:txBody>
+                    <a:bodyPr/>
+                    <a:lstStyle/>
+                    <a:p>
+                      <a:pPr algn="ctr" rtl="0" fontAlgn="t">
+                        <a:spcBef>
+                          <a:spcPts val="0"/>
+                        </a:spcBef>
+                        <a:spcAft>
+                          <a:spcPts val="1200"/>
+                        </a:spcAft>
+                      </a:pPr>
+                      <a:r>
+                        <a:rPr lang="en-US" sz="2400" b="1" kern="1200" dirty="0">
+                          <a:solidFill>
+                            <a:schemeClr val="lt1"/>
+                          </a:solidFill>
+                          <a:latin typeface="+mn-lt"/>
+                          <a:ea typeface="+mn-ea"/>
+                          <a:cs typeface="+mn-cs"/>
+                        </a:rPr>
+                        <a:t>Name</a:t>
+                      </a:r>
+                    </a:p>
+                  </a:txBody>
+                  <a:tcPr marL="127000" marR="127000" marT="63500" marB="63500"/>
+                </a:tc>
+                <a:tc>
+                  <a:txBody>
+                    <a:bodyPr/>
+                    <a:lstStyle/>
+                    <a:p>
+                      <a:pPr algn="ctr" rtl="0" fontAlgn="t">
+                        <a:spcBef>
+                          <a:spcPts val="0"/>
+                        </a:spcBef>
+                        <a:spcAft>
+                          <a:spcPts val="1200"/>
+                        </a:spcAft>
+                      </a:pPr>
+                      <a:r>
+                        <a:rPr lang="en-US" sz="2400" b="1" kern="1200" dirty="0">
+                          <a:solidFill>
+                            <a:schemeClr val="lt1"/>
+                          </a:solidFill>
+                          <a:latin typeface="+mn-lt"/>
+                          <a:ea typeface="+mn-ea"/>
+                          <a:cs typeface="+mn-cs"/>
+                        </a:rPr>
+                        <a:t>Recall@10</a:t>
+                      </a:r>
+                    </a:p>
+                  </a:txBody>
+                  <a:tcPr marL="127000" marR="127000" marT="63500" marB="63500"/>
+                </a:tc>
+                <a:tc>
+                  <a:txBody>
+                    <a:bodyPr/>
+                    <a:lstStyle/>
+                    <a:p>
+                      <a:pPr algn="ctr" rtl="0" fontAlgn="t">
+                        <a:spcBef>
+                          <a:spcPts val="0"/>
+                        </a:spcBef>
+                        <a:spcAft>
+                          <a:spcPts val="1200"/>
+                        </a:spcAft>
+                      </a:pPr>
+                      <a:r>
+                        <a:rPr lang="en-US" sz="2400" b="1" kern="1200" dirty="0">
+                          <a:solidFill>
+                            <a:schemeClr val="lt1"/>
+                          </a:solidFill>
+                          <a:latin typeface="+mn-lt"/>
+                          <a:ea typeface="+mn-ea"/>
+                          <a:cs typeface="+mn-cs"/>
+                        </a:rPr>
+                        <a:t>precision@10</a:t>
+                      </a:r>
+                    </a:p>
+                  </a:txBody>
+                  <a:tcPr marL="127000" marR="127000" marT="63500" marB="63500"/>
+                </a:tc>
+                <a:tc>
+                  <a:txBody>
+                    <a:bodyPr/>
+                    <a:lstStyle/>
+                    <a:p>
+                      <a:pPr algn="ctr" rtl="0" fontAlgn="t">
+                        <a:spcBef>
+                          <a:spcPts val="0"/>
+                        </a:spcBef>
+                        <a:spcAft>
+                          <a:spcPts val="1200"/>
+                        </a:spcAft>
+                      </a:pPr>
+                      <a:r>
+                        <a:rPr lang="en-US" sz="2400" b="1" kern="1200" dirty="0">
+                          <a:solidFill>
+                            <a:schemeClr val="lt1"/>
+                          </a:solidFill>
+                          <a:latin typeface="+mn-lt"/>
+                          <a:ea typeface="+mn-ea"/>
+                          <a:cs typeface="+mn-cs"/>
+                        </a:rPr>
+                        <a:t>Time</a:t>
+                      </a:r>
+                    </a:p>
+                  </a:txBody>
+                  <a:tcPr marL="127000" marR="127000" marT="63500" marB="63500"/>
+                </a:tc>
+                <a:extLst>
+                  <a:ext uri="{0D108BD9-81ED-4DB2-BD59-A6C34878D82A}">
+                    <a16:rowId xmlns:a16="http://schemas.microsoft.com/office/drawing/2014/main" val="4254323710"/>
+                  </a:ext>
+                </a:extLst>
+              </a:tr>
+              <a:tr h="370840">
+                <a:tc>
+                  <a:txBody>
+                    <a:bodyPr/>
+                    <a:lstStyle/>
+                    <a:p>
+                      <a:pPr algn="just" rtl="0" fontAlgn="t">
+                        <a:spcBef>
+                          <a:spcPts val="0"/>
+                        </a:spcBef>
+                        <a:spcAft>
+                          <a:spcPts val="1200"/>
+                        </a:spcAft>
+                      </a:pPr>
+                      <a:r>
+                        <a:rPr lang="en-US" sz="2400" b="0" i="0" u="none" strike="noStrike" kern="1200" dirty="0" err="1">
+                          <a:solidFill>
+                            <a:schemeClr val="dk1"/>
+                          </a:solidFill>
+                          <a:effectLst/>
+                          <a:latin typeface="+mn-lt"/>
+                          <a:ea typeface="+mn-ea"/>
+                          <a:cs typeface="+mn-cs"/>
+                        </a:rPr>
+                        <a:t>LuceneRetriever</a:t>
+                      </a:r>
+                      <a:endParaRPr lang="en-US" sz="2400" b="0" i="0" u="none" strike="noStrike" kern="1200" dirty="0">
+                        <a:solidFill>
+                          <a:schemeClr val="dk1"/>
+                        </a:solidFill>
+                        <a:effectLst/>
+                        <a:latin typeface="+mn-lt"/>
+                        <a:ea typeface="+mn-ea"/>
+                        <a:cs typeface="+mn-cs"/>
+                      </a:endParaRPr>
+                    </a:p>
+                  </a:txBody>
+                  <a:tcPr marL="127000" marR="127000" marT="63500" marB="63500"/>
+                </a:tc>
+                <a:tc>
+                  <a:txBody>
+                    <a:bodyPr/>
+                    <a:lstStyle/>
+                    <a:p>
+                      <a:pPr algn="just" rtl="0" fontAlgn="t">
+                        <a:spcBef>
+                          <a:spcPts val="0"/>
+                        </a:spcBef>
+                        <a:spcAft>
+                          <a:spcPts val="1200"/>
+                        </a:spcAft>
+                      </a:pPr>
+                      <a:r>
+                        <a:rPr lang="en-BE" sz="2400" b="0" i="0" u="none" strike="noStrike" kern="1200">
+                          <a:solidFill>
+                            <a:schemeClr val="dk1"/>
+                          </a:solidFill>
+                          <a:effectLst/>
+                          <a:latin typeface="+mn-lt"/>
+                          <a:ea typeface="+mn-ea"/>
+                          <a:cs typeface="+mn-cs"/>
+                        </a:rPr>
+                        <a:t>0.49958</a:t>
+                      </a:r>
+                    </a:p>
+                  </a:txBody>
+                  <a:tcPr marL="127000" marR="127000" marT="63500" marB="63500"/>
+                </a:tc>
+                <a:tc>
+                  <a:txBody>
+                    <a:bodyPr/>
+                    <a:lstStyle/>
+                    <a:p>
+                      <a:pPr algn="just" rtl="0" fontAlgn="t">
+                        <a:spcBef>
+                          <a:spcPts val="0"/>
+                        </a:spcBef>
+                        <a:spcAft>
+                          <a:spcPts val="1200"/>
+                        </a:spcAft>
+                      </a:pPr>
+                      <a:r>
+                        <a:rPr lang="en-BE" sz="2400" b="0" i="0" u="none" strike="noStrike" kern="1200">
+                          <a:solidFill>
+                            <a:schemeClr val="dk1"/>
+                          </a:solidFill>
+                          <a:effectLst/>
+                          <a:latin typeface="+mn-lt"/>
+                          <a:ea typeface="+mn-ea"/>
+                          <a:cs typeface="+mn-cs"/>
+                        </a:rPr>
+                        <a:t>0.49642</a:t>
+                      </a:r>
+                    </a:p>
+                  </a:txBody>
+                  <a:tcPr marL="127000" marR="127000" marT="63500" marB="63500"/>
+                </a:tc>
+                <a:tc>
+                  <a:txBody>
+                    <a:bodyPr/>
+                    <a:lstStyle/>
+                    <a:p>
+                      <a:pPr algn="just" rtl="0" fontAlgn="t">
+                        <a:spcBef>
+                          <a:spcPts val="0"/>
+                        </a:spcBef>
+                        <a:spcAft>
+                          <a:spcPts val="1200"/>
+                        </a:spcAft>
+                      </a:pPr>
+                      <a:r>
+                        <a:rPr lang="en-US" sz="2400" b="0" i="0" u="none" strike="noStrike" kern="1200">
+                          <a:solidFill>
+                            <a:schemeClr val="dk1"/>
+                          </a:solidFill>
+                          <a:effectLst/>
+                          <a:latin typeface="+mn-lt"/>
+                          <a:ea typeface="+mn-ea"/>
+                          <a:cs typeface="+mn-cs"/>
+                        </a:rPr>
+                        <a:t>431.44it/s</a:t>
+                      </a:r>
+                    </a:p>
+                  </a:txBody>
+                  <a:tcPr marL="127000" marR="127000" marT="63500" marB="63500"/>
+                </a:tc>
+                <a:extLst>
+                  <a:ext uri="{0D108BD9-81ED-4DB2-BD59-A6C34878D82A}">
+                    <a16:rowId xmlns:a16="http://schemas.microsoft.com/office/drawing/2014/main" val="792329417"/>
+                  </a:ext>
+                </a:extLst>
+              </a:tr>
+              <a:tr h="370840">
+                <a:tc>
+                  <a:txBody>
+                    <a:bodyPr/>
+                    <a:lstStyle/>
+                    <a:p>
+                      <a:pPr algn="just" rtl="0" fontAlgn="t">
+                        <a:spcBef>
+                          <a:spcPts val="0"/>
+                        </a:spcBef>
+                        <a:spcAft>
+                          <a:spcPts val="1200"/>
+                        </a:spcAft>
+                      </a:pPr>
+                      <a:r>
+                        <a:rPr lang="en-US" sz="2400" b="0" i="0" u="none" strike="noStrike" kern="1200" dirty="0" err="1">
+                          <a:solidFill>
+                            <a:schemeClr val="dk1"/>
+                          </a:solidFill>
+                          <a:effectLst/>
+                          <a:latin typeface="+mn-lt"/>
+                          <a:ea typeface="+mn-ea"/>
+                          <a:cs typeface="+mn-cs"/>
+                        </a:rPr>
+                        <a:t>BiCrossRetriever</a:t>
+                      </a:r>
+                      <a:r>
+                        <a:rPr lang="en-US" sz="2400" b="0" i="0" u="none" strike="noStrike" kern="1200" dirty="0">
+                          <a:solidFill>
+                            <a:schemeClr val="dk1"/>
+                          </a:solidFill>
+                          <a:effectLst/>
+                          <a:latin typeface="+mn-lt"/>
+                          <a:ea typeface="+mn-ea"/>
+                          <a:cs typeface="+mn-cs"/>
+                        </a:rPr>
+                        <a:t> (</a:t>
+                      </a:r>
+                      <a:r>
+                        <a:rPr lang="en-US" sz="2400" b="0" i="0" u="none" strike="noStrike" kern="1200" dirty="0" err="1">
+                          <a:solidFill>
+                            <a:schemeClr val="dk1"/>
+                          </a:solidFill>
+                          <a:effectLst/>
+                          <a:latin typeface="+mn-lt"/>
+                          <a:ea typeface="+mn-ea"/>
+                          <a:cs typeface="+mn-cs"/>
+                        </a:rPr>
+                        <a:t>MsMarco</a:t>
+                      </a:r>
+                      <a:r>
+                        <a:rPr lang="en-US" sz="2400" b="0" i="0" u="none" strike="noStrike" kern="1200" dirty="0">
+                          <a:solidFill>
+                            <a:schemeClr val="dk1"/>
+                          </a:solidFill>
+                          <a:effectLst/>
+                          <a:latin typeface="+mn-lt"/>
+                          <a:ea typeface="+mn-ea"/>
+                          <a:cs typeface="+mn-cs"/>
+                        </a:rPr>
+                        <a:t>)</a:t>
+                      </a:r>
+                    </a:p>
+                  </a:txBody>
+                  <a:tcPr marL="127000" marR="127000" marT="63500" marB="63500"/>
+                </a:tc>
+                <a:tc>
+                  <a:txBody>
+                    <a:bodyPr/>
+                    <a:lstStyle/>
+                    <a:p>
+                      <a:pPr algn="just" rtl="0" fontAlgn="t">
+                        <a:spcBef>
+                          <a:spcPts val="0"/>
+                        </a:spcBef>
+                        <a:spcAft>
+                          <a:spcPts val="1200"/>
+                        </a:spcAft>
+                      </a:pPr>
+                      <a:r>
+                        <a:rPr lang="en-BE" sz="2400" b="0" i="0" u="none" strike="noStrike" kern="1200">
+                          <a:solidFill>
+                            <a:schemeClr val="dk1"/>
+                          </a:solidFill>
+                          <a:effectLst/>
+                          <a:latin typeface="+mn-lt"/>
+                          <a:ea typeface="+mn-ea"/>
+                          <a:cs typeface="+mn-cs"/>
+                        </a:rPr>
+                        <a:t>0.24137</a:t>
+                      </a:r>
+                    </a:p>
+                  </a:txBody>
+                  <a:tcPr marL="127000" marR="127000" marT="63500" marB="63500"/>
+                </a:tc>
+                <a:tc>
+                  <a:txBody>
+                    <a:bodyPr/>
+                    <a:lstStyle/>
+                    <a:p>
+                      <a:pPr algn="just" rtl="0" fontAlgn="t">
+                        <a:spcBef>
+                          <a:spcPts val="0"/>
+                        </a:spcBef>
+                        <a:spcAft>
+                          <a:spcPts val="1200"/>
+                        </a:spcAft>
+                      </a:pPr>
+                      <a:r>
+                        <a:rPr lang="en-BE" sz="2400" b="0" i="0" u="none" strike="noStrike" kern="1200">
+                          <a:solidFill>
+                            <a:schemeClr val="dk1"/>
+                          </a:solidFill>
+                          <a:effectLst/>
+                          <a:latin typeface="+mn-lt"/>
+                          <a:ea typeface="+mn-ea"/>
+                          <a:cs typeface="+mn-cs"/>
+                        </a:rPr>
+                        <a:t>0.30258</a:t>
+                      </a:r>
+                    </a:p>
+                  </a:txBody>
+                  <a:tcPr marL="127000" marR="127000" marT="63500" marB="63500"/>
+                </a:tc>
+                <a:tc>
+                  <a:txBody>
+                    <a:bodyPr/>
+                    <a:lstStyle/>
+                    <a:p>
+                      <a:pPr algn="just" rtl="0" fontAlgn="t">
+                        <a:spcBef>
+                          <a:spcPts val="0"/>
+                        </a:spcBef>
+                        <a:spcAft>
+                          <a:spcPts val="1200"/>
+                        </a:spcAft>
+                      </a:pPr>
+                      <a:r>
+                        <a:rPr lang="en-US" sz="2400" b="0" i="0" u="none" strike="noStrike" kern="1200" dirty="0">
+                          <a:solidFill>
+                            <a:schemeClr val="dk1"/>
+                          </a:solidFill>
+                          <a:effectLst/>
+                          <a:latin typeface="+mn-lt"/>
+                          <a:ea typeface="+mn-ea"/>
+                          <a:cs typeface="+mn-cs"/>
+                        </a:rPr>
+                        <a:t>1.62it/s</a:t>
+                      </a:r>
+                    </a:p>
+                  </a:txBody>
+                  <a:tcPr marL="127000" marR="127000" marT="63500" marB="63500"/>
+                </a:tc>
+                <a:extLst>
+                  <a:ext uri="{0D108BD9-81ED-4DB2-BD59-A6C34878D82A}">
+                    <a16:rowId xmlns:a16="http://schemas.microsoft.com/office/drawing/2014/main" val="4092686114"/>
+                  </a:ext>
+                </a:extLst>
+              </a:tr>
+              <a:tr h="370840">
+                <a:tc>
+                  <a:txBody>
+                    <a:bodyPr/>
+                    <a:lstStyle/>
+                    <a:p>
+                      <a:pPr algn="just" rtl="0" fontAlgn="t">
+                        <a:spcBef>
+                          <a:spcPts val="0"/>
+                        </a:spcBef>
+                        <a:spcAft>
+                          <a:spcPts val="1200"/>
+                        </a:spcAft>
+                      </a:pPr>
+                      <a:r>
+                        <a:rPr lang="en-US" sz="2400" b="0" i="0" u="none" strike="noStrike" kern="1200" dirty="0" err="1">
+                          <a:solidFill>
+                            <a:schemeClr val="dk1"/>
+                          </a:solidFill>
+                          <a:effectLst/>
+                          <a:latin typeface="+mn-lt"/>
+                          <a:ea typeface="+mn-ea"/>
+                          <a:cs typeface="+mn-cs"/>
+                        </a:rPr>
+                        <a:t>LuceneCrossRetriever</a:t>
+                      </a:r>
+                      <a:r>
+                        <a:rPr lang="en-US" sz="2400" b="0" i="0" u="none" strike="noStrike" kern="1200" dirty="0">
+                          <a:solidFill>
+                            <a:schemeClr val="dk1"/>
+                          </a:solidFill>
+                          <a:effectLst/>
+                          <a:latin typeface="+mn-lt"/>
+                          <a:ea typeface="+mn-ea"/>
+                          <a:cs typeface="+mn-cs"/>
+                        </a:rPr>
+                        <a:t>                  (</a:t>
+                      </a:r>
+                      <a:r>
+                        <a:rPr lang="en-US" sz="2400" b="0" i="0" u="none" strike="noStrike" kern="1200" dirty="0" err="1">
+                          <a:solidFill>
+                            <a:schemeClr val="dk1"/>
+                          </a:solidFill>
+                          <a:effectLst/>
+                          <a:latin typeface="+mn-lt"/>
+                          <a:ea typeface="+mn-ea"/>
+                          <a:cs typeface="+mn-cs"/>
+                        </a:rPr>
+                        <a:t>MsMarco-TinyBERT</a:t>
+                      </a:r>
+                      <a:r>
+                        <a:rPr lang="en-US" sz="2400" b="0" i="0" u="none" strike="noStrike" kern="1200" dirty="0">
+                          <a:solidFill>
+                            <a:schemeClr val="dk1"/>
+                          </a:solidFill>
+                          <a:effectLst/>
+                          <a:latin typeface="+mn-lt"/>
+                          <a:ea typeface="+mn-ea"/>
+                          <a:cs typeface="+mn-cs"/>
+                        </a:rPr>
+                        <a:t>)</a:t>
+                      </a:r>
+                    </a:p>
+                  </a:txBody>
+                  <a:tcPr marL="127000" marR="127000" marT="63500" marB="63500"/>
+                </a:tc>
+                <a:tc>
+                  <a:txBody>
+                    <a:bodyPr/>
+                    <a:lstStyle/>
+                    <a:p>
+                      <a:pPr algn="just" rtl="0" fontAlgn="t">
+                        <a:spcBef>
+                          <a:spcPts val="0"/>
+                        </a:spcBef>
+                        <a:spcAft>
+                          <a:spcPts val="1200"/>
+                        </a:spcAft>
+                      </a:pPr>
+                      <a:r>
+                        <a:rPr lang="en-BE" sz="2400" b="0" i="0" u="none" strike="noStrike" kern="1200">
+                          <a:solidFill>
+                            <a:schemeClr val="dk1"/>
+                          </a:solidFill>
+                          <a:effectLst/>
+                          <a:latin typeface="+mn-lt"/>
+                          <a:ea typeface="+mn-ea"/>
+                          <a:cs typeface="+mn-cs"/>
+                        </a:rPr>
+                        <a:t>0.43721</a:t>
+                      </a:r>
+                    </a:p>
+                  </a:txBody>
+                  <a:tcPr marL="127000" marR="127000" marT="63500" marB="63500"/>
+                </a:tc>
+                <a:tc>
+                  <a:txBody>
+                    <a:bodyPr/>
+                    <a:lstStyle/>
+                    <a:p>
+                      <a:pPr algn="just" rtl="0" fontAlgn="t">
+                        <a:spcBef>
+                          <a:spcPts val="0"/>
+                        </a:spcBef>
+                        <a:spcAft>
+                          <a:spcPts val="1200"/>
+                        </a:spcAft>
+                      </a:pPr>
+                      <a:r>
+                        <a:rPr lang="en-BE" sz="2400" b="0" i="0" u="none" strike="noStrike" kern="1200">
+                          <a:solidFill>
+                            <a:schemeClr val="dk1"/>
+                          </a:solidFill>
+                          <a:effectLst/>
+                          <a:latin typeface="+mn-lt"/>
+                          <a:ea typeface="+mn-ea"/>
+                          <a:cs typeface="+mn-cs"/>
+                        </a:rPr>
+                        <a:t>0.43416</a:t>
+                      </a:r>
+                    </a:p>
+                  </a:txBody>
+                  <a:tcPr marL="127000" marR="127000" marT="63500" marB="63500"/>
+                </a:tc>
+                <a:tc>
+                  <a:txBody>
+                    <a:bodyPr/>
+                    <a:lstStyle/>
+                    <a:p>
+                      <a:pPr algn="just" rtl="0" fontAlgn="t">
+                        <a:spcBef>
+                          <a:spcPts val="0"/>
+                        </a:spcBef>
+                        <a:spcAft>
+                          <a:spcPts val="1200"/>
+                        </a:spcAft>
+                      </a:pPr>
+                      <a:r>
+                        <a:rPr lang="en-US" sz="2400" b="0" i="0" u="none" strike="noStrike" kern="1200" dirty="0">
+                          <a:solidFill>
+                            <a:schemeClr val="dk1"/>
+                          </a:solidFill>
+                          <a:effectLst/>
+                          <a:latin typeface="+mn-lt"/>
+                          <a:ea typeface="+mn-ea"/>
+                          <a:cs typeface="+mn-cs"/>
+                        </a:rPr>
+                        <a:t>6.72it/s</a:t>
+                      </a:r>
+                    </a:p>
+                  </a:txBody>
+                  <a:tcPr marL="127000" marR="127000" marT="63500" marB="63500"/>
+                </a:tc>
+                <a:extLst>
+                  <a:ext uri="{0D108BD9-81ED-4DB2-BD59-A6C34878D82A}">
+                    <a16:rowId xmlns:a16="http://schemas.microsoft.com/office/drawing/2014/main" val="4180434767"/>
+                  </a:ext>
+                </a:extLst>
+              </a:tr>
+              <a:tr h="370840">
+                <a:tc>
+                  <a:txBody>
+                    <a:bodyPr/>
+                    <a:lstStyle/>
+                    <a:p>
+                      <a:pPr algn="just" rtl="0" fontAlgn="t">
+                        <a:spcBef>
+                          <a:spcPts val="0"/>
+                        </a:spcBef>
+                        <a:spcAft>
+                          <a:spcPts val="1200"/>
+                        </a:spcAft>
+                      </a:pPr>
+                      <a:r>
+                        <a:rPr lang="en-US" sz="2400" b="0" i="0" u="none" strike="noStrike" kern="1200" dirty="0" err="1">
+                          <a:solidFill>
+                            <a:schemeClr val="dk1"/>
+                          </a:solidFill>
+                          <a:effectLst/>
+                          <a:latin typeface="+mn-lt"/>
+                          <a:ea typeface="+mn-ea"/>
+                          <a:cs typeface="+mn-cs"/>
+                        </a:rPr>
+                        <a:t>LuceneCrossRetriever</a:t>
+                      </a:r>
+                      <a:r>
+                        <a:rPr lang="en-US" sz="2400" b="0" i="0" u="none" strike="noStrike" kern="1200" dirty="0">
+                          <a:solidFill>
+                            <a:schemeClr val="dk1"/>
+                          </a:solidFill>
+                          <a:effectLst/>
+                          <a:latin typeface="+mn-lt"/>
+                          <a:ea typeface="+mn-ea"/>
+                          <a:cs typeface="+mn-cs"/>
+                        </a:rPr>
+                        <a:t>                  (</a:t>
+                      </a:r>
+                      <a:r>
+                        <a:rPr lang="en-US" sz="2400" b="0" i="0" u="none" strike="noStrike" kern="1200" dirty="0" err="1">
+                          <a:solidFill>
+                            <a:schemeClr val="dk1"/>
+                          </a:solidFill>
+                          <a:effectLst/>
+                          <a:latin typeface="+mn-lt"/>
+                          <a:ea typeface="+mn-ea"/>
+                          <a:cs typeface="+mn-cs"/>
+                        </a:rPr>
+                        <a:t>MsMarco-MiniLM</a:t>
+                      </a:r>
+                      <a:r>
+                        <a:rPr lang="en-US" sz="2400" b="0" i="0" u="none" strike="noStrike" kern="1200" dirty="0">
+                          <a:solidFill>
+                            <a:schemeClr val="dk1"/>
+                          </a:solidFill>
+                          <a:effectLst/>
+                          <a:latin typeface="+mn-lt"/>
+                          <a:ea typeface="+mn-ea"/>
+                          <a:cs typeface="+mn-cs"/>
+                        </a:rPr>
+                        <a:t>)</a:t>
+                      </a:r>
+                    </a:p>
+                  </a:txBody>
+                  <a:tcPr marL="127000" marR="127000" marT="63500" marB="63500"/>
+                </a:tc>
+                <a:tc>
+                  <a:txBody>
+                    <a:bodyPr/>
+                    <a:lstStyle/>
+                    <a:p>
+                      <a:pPr algn="just" rtl="0" fontAlgn="t">
+                        <a:spcBef>
+                          <a:spcPts val="0"/>
+                        </a:spcBef>
+                        <a:spcAft>
+                          <a:spcPts val="1200"/>
+                        </a:spcAft>
+                      </a:pPr>
+                      <a:r>
+                        <a:rPr lang="en-BE" sz="2400" b="0" i="0" u="none" strike="noStrike" kern="1200" dirty="0">
+                          <a:solidFill>
+                            <a:schemeClr val="dk1"/>
+                          </a:solidFill>
+                          <a:effectLst/>
+                          <a:latin typeface="+mn-lt"/>
+                          <a:ea typeface="+mn-ea"/>
+                          <a:cs typeface="+mn-cs"/>
+                        </a:rPr>
+                        <a:t>0.45076</a:t>
+                      </a:r>
+                    </a:p>
+                  </a:txBody>
+                  <a:tcPr marL="127000" marR="127000" marT="63500" marB="63500"/>
+                </a:tc>
+                <a:tc>
+                  <a:txBody>
+                    <a:bodyPr/>
+                    <a:lstStyle/>
+                    <a:p>
+                      <a:pPr algn="just" rtl="0" fontAlgn="t">
+                        <a:spcBef>
+                          <a:spcPts val="0"/>
+                        </a:spcBef>
+                        <a:spcAft>
+                          <a:spcPts val="1200"/>
+                        </a:spcAft>
+                      </a:pPr>
+                      <a:r>
+                        <a:rPr lang="en-BE" sz="2400" b="0" i="0" u="none" strike="noStrike" kern="1200">
+                          <a:solidFill>
+                            <a:schemeClr val="dk1"/>
+                          </a:solidFill>
+                          <a:effectLst/>
+                          <a:latin typeface="+mn-lt"/>
+                          <a:ea typeface="+mn-ea"/>
+                          <a:cs typeface="+mn-cs"/>
+                        </a:rPr>
+                        <a:t>0.44782</a:t>
+                      </a:r>
+                    </a:p>
+                  </a:txBody>
+                  <a:tcPr marL="127000" marR="127000" marT="63500" marB="63500"/>
+                </a:tc>
+                <a:tc>
+                  <a:txBody>
+                    <a:bodyPr/>
+                    <a:lstStyle/>
+                    <a:p>
+                      <a:pPr algn="just" rtl="0" fontAlgn="t">
+                        <a:spcBef>
+                          <a:spcPts val="0"/>
+                        </a:spcBef>
+                        <a:spcAft>
+                          <a:spcPts val="1200"/>
+                        </a:spcAft>
+                      </a:pPr>
+                      <a:r>
+                        <a:rPr lang="en-US" sz="2400" b="0" i="0" u="none" strike="noStrike" kern="1200">
+                          <a:solidFill>
+                            <a:schemeClr val="dk1"/>
+                          </a:solidFill>
+                          <a:effectLst/>
+                          <a:latin typeface="+mn-lt"/>
+                          <a:ea typeface="+mn-ea"/>
+                          <a:cs typeface="+mn-cs"/>
+                        </a:rPr>
+                        <a:t>1.08s/it</a:t>
+                      </a:r>
+                    </a:p>
+                  </a:txBody>
+                  <a:tcPr marL="127000" marR="127000" marT="63500" marB="63500"/>
+                </a:tc>
+                <a:extLst>
+                  <a:ext uri="{0D108BD9-81ED-4DB2-BD59-A6C34878D82A}">
+                    <a16:rowId xmlns:a16="http://schemas.microsoft.com/office/drawing/2014/main" val="608908482"/>
+                  </a:ext>
+                </a:extLst>
+              </a:tr>
+              <a:tr h="370840">
+                <a:tc>
+                  <a:txBody>
+                    <a:bodyPr/>
+                    <a:lstStyle/>
+                    <a:p>
+                      <a:pPr algn="just" rtl="0" fontAlgn="t">
+                        <a:spcBef>
+                          <a:spcPts val="0"/>
+                        </a:spcBef>
+                        <a:spcAft>
+                          <a:spcPts val="1200"/>
+                        </a:spcAft>
+                      </a:pPr>
+                      <a:r>
+                        <a:rPr lang="en-US" sz="2400" b="0" i="0" u="none" strike="noStrike" kern="1200" dirty="0" err="1">
+                          <a:solidFill>
+                            <a:schemeClr val="dk1"/>
+                          </a:solidFill>
+                          <a:effectLst/>
+                          <a:latin typeface="+mn-lt"/>
+                          <a:ea typeface="+mn-ea"/>
+                          <a:cs typeface="+mn-cs"/>
+                        </a:rPr>
+                        <a:t>LuceneCrossRetriever</a:t>
+                      </a:r>
+                      <a:r>
+                        <a:rPr lang="en-US" sz="2400" b="0" i="0" u="none" strike="noStrike" kern="1200" dirty="0">
+                          <a:solidFill>
+                            <a:schemeClr val="dk1"/>
+                          </a:solidFill>
+                          <a:effectLst/>
+                          <a:latin typeface="+mn-lt"/>
+                          <a:ea typeface="+mn-ea"/>
+                          <a:cs typeface="+mn-cs"/>
+                        </a:rPr>
+                        <a:t> (QNLI)</a:t>
+                      </a:r>
+                    </a:p>
+                  </a:txBody>
+                  <a:tcPr marL="127000" marR="127000" marT="63500" marB="63500"/>
+                </a:tc>
+                <a:tc>
+                  <a:txBody>
+                    <a:bodyPr/>
+                    <a:lstStyle/>
+                    <a:p>
+                      <a:pPr algn="just" rtl="0" fontAlgn="t">
+                        <a:spcBef>
+                          <a:spcPts val="0"/>
+                        </a:spcBef>
+                        <a:spcAft>
+                          <a:spcPts val="1200"/>
+                        </a:spcAft>
+                      </a:pPr>
+                      <a:r>
+                        <a:rPr lang="en-BE" sz="2400" b="0" i="0" u="none" strike="noStrike" kern="1200">
+                          <a:solidFill>
+                            <a:schemeClr val="dk1"/>
+                          </a:solidFill>
+                          <a:effectLst/>
+                          <a:latin typeface="+mn-lt"/>
+                          <a:ea typeface="+mn-ea"/>
+                          <a:cs typeface="+mn-cs"/>
+                        </a:rPr>
+                        <a:t>0.36328</a:t>
+                      </a:r>
+                    </a:p>
+                  </a:txBody>
+                  <a:tcPr marL="127000" marR="127000" marT="63500" marB="63500"/>
+                </a:tc>
+                <a:tc>
+                  <a:txBody>
+                    <a:bodyPr/>
+                    <a:lstStyle/>
+                    <a:p>
+                      <a:pPr algn="just" rtl="0" fontAlgn="t">
+                        <a:spcBef>
+                          <a:spcPts val="0"/>
+                        </a:spcBef>
+                        <a:spcAft>
+                          <a:spcPts val="1200"/>
+                        </a:spcAft>
+                      </a:pPr>
+                      <a:r>
+                        <a:rPr lang="en-BE" sz="2400" b="0" i="0" u="none" strike="noStrike" kern="1200" dirty="0">
+                          <a:solidFill>
+                            <a:schemeClr val="dk1"/>
+                          </a:solidFill>
+                          <a:effectLst/>
+                          <a:latin typeface="+mn-lt"/>
+                          <a:ea typeface="+mn-ea"/>
+                          <a:cs typeface="+mn-cs"/>
+                        </a:rPr>
+                        <a:t>0.36055</a:t>
+                      </a:r>
+                    </a:p>
+                  </a:txBody>
+                  <a:tcPr marL="127000" marR="127000" marT="63500" marB="63500"/>
+                </a:tc>
+                <a:tc>
+                  <a:txBody>
+                    <a:bodyPr/>
+                    <a:lstStyle/>
+                    <a:p>
+                      <a:pPr algn="just" rtl="0" fontAlgn="t">
+                        <a:spcBef>
+                          <a:spcPts val="0"/>
+                        </a:spcBef>
+                        <a:spcAft>
+                          <a:spcPts val="1200"/>
+                        </a:spcAft>
+                      </a:pPr>
+                      <a:r>
+                        <a:rPr lang="en-US" sz="2400" b="0" i="0" u="none" strike="noStrike" kern="1200" dirty="0">
+                          <a:solidFill>
+                            <a:schemeClr val="dk1"/>
+                          </a:solidFill>
+                          <a:effectLst/>
+                          <a:latin typeface="+mn-lt"/>
+                          <a:ea typeface="+mn-ea"/>
+                          <a:cs typeface="+mn-cs"/>
+                        </a:rPr>
+                        <a:t>3.20s/it</a:t>
+                      </a:r>
+                    </a:p>
+                  </a:txBody>
+                  <a:tcPr marL="127000" marR="127000" marT="63500" marB="63500"/>
+                </a:tc>
+                <a:extLst>
+                  <a:ext uri="{0D108BD9-81ED-4DB2-BD59-A6C34878D82A}">
+                    <a16:rowId xmlns:a16="http://schemas.microsoft.com/office/drawing/2014/main" val="3287852911"/>
+                  </a:ext>
+                </a:extLst>
+              </a:tr>
+              <a:tr h="370840">
+                <a:tc>
+                  <a:txBody>
+                    <a:bodyPr/>
+                    <a:lstStyle/>
+                    <a:p>
+                      <a:pPr algn="just" rtl="0" fontAlgn="t">
+                        <a:spcBef>
+                          <a:spcPts val="0"/>
+                        </a:spcBef>
+                        <a:spcAft>
+                          <a:spcPts val="1200"/>
+                        </a:spcAft>
+                      </a:pPr>
+                      <a:r>
+                        <a:rPr lang="en-US" sz="2400" b="0" i="0" u="none" strike="noStrike" kern="1200" dirty="0" err="1">
+                          <a:solidFill>
+                            <a:schemeClr val="dk1"/>
+                          </a:solidFill>
+                          <a:effectLst/>
+                          <a:latin typeface="+mn-lt"/>
+                          <a:ea typeface="+mn-ea"/>
+                          <a:cs typeface="+mn-cs"/>
+                        </a:rPr>
+                        <a:t>LuceneCrossRetriever</a:t>
+                      </a:r>
+                      <a:r>
+                        <a:rPr lang="en-US" sz="2400" b="0" i="0" u="none" strike="noStrike" kern="1200" dirty="0">
+                          <a:solidFill>
+                            <a:schemeClr val="dk1"/>
+                          </a:solidFill>
+                          <a:effectLst/>
+                          <a:latin typeface="+mn-lt"/>
+                          <a:ea typeface="+mn-ea"/>
+                          <a:cs typeface="+mn-cs"/>
+                        </a:rPr>
+                        <a:t> (STSB-</a:t>
+                      </a:r>
+                      <a:r>
+                        <a:rPr lang="en-US" sz="2400" b="0" i="0" u="none" strike="noStrike" kern="1200" dirty="0" err="1">
+                          <a:solidFill>
+                            <a:schemeClr val="dk1"/>
+                          </a:solidFill>
+                          <a:effectLst/>
+                          <a:latin typeface="+mn-lt"/>
+                          <a:ea typeface="+mn-ea"/>
+                          <a:cs typeface="+mn-cs"/>
+                        </a:rPr>
+                        <a:t>TinyBERT</a:t>
+                      </a:r>
+                      <a:r>
+                        <a:rPr lang="en-US" sz="2400" b="0" i="0" u="none" strike="noStrike" kern="1200" dirty="0">
+                          <a:solidFill>
+                            <a:schemeClr val="dk1"/>
+                          </a:solidFill>
+                          <a:effectLst/>
+                          <a:latin typeface="+mn-lt"/>
+                          <a:ea typeface="+mn-ea"/>
+                          <a:cs typeface="+mn-cs"/>
+                        </a:rPr>
+                        <a:t>)</a:t>
+                      </a:r>
+                    </a:p>
+                  </a:txBody>
+                  <a:tcPr marL="127000" marR="127000" marT="63500" marB="63500"/>
+                </a:tc>
+                <a:tc>
+                  <a:txBody>
+                    <a:bodyPr/>
+                    <a:lstStyle/>
+                    <a:p>
+                      <a:pPr algn="just" rtl="0" fontAlgn="t">
+                        <a:spcBef>
+                          <a:spcPts val="0"/>
+                        </a:spcBef>
+                        <a:spcAft>
+                          <a:spcPts val="1200"/>
+                        </a:spcAft>
+                      </a:pPr>
+                      <a:r>
+                        <a:rPr lang="en-BE" sz="2400" b="0" i="0" u="none" strike="noStrike" kern="1200">
+                          <a:solidFill>
+                            <a:schemeClr val="dk1"/>
+                          </a:solidFill>
+                          <a:effectLst/>
+                          <a:latin typeface="+mn-lt"/>
+                          <a:ea typeface="+mn-ea"/>
+                          <a:cs typeface="+mn-cs"/>
+                        </a:rPr>
+                        <a:t>0.33324</a:t>
+                      </a:r>
+                    </a:p>
+                  </a:txBody>
+                  <a:tcPr marL="127000" marR="127000" marT="63500" marB="63500"/>
+                </a:tc>
+                <a:tc>
+                  <a:txBody>
+                    <a:bodyPr/>
+                    <a:lstStyle/>
+                    <a:p>
+                      <a:pPr algn="just" rtl="0" fontAlgn="t">
+                        <a:spcBef>
+                          <a:spcPts val="0"/>
+                        </a:spcBef>
+                        <a:spcAft>
+                          <a:spcPts val="1200"/>
+                        </a:spcAft>
+                      </a:pPr>
+                      <a:r>
+                        <a:rPr lang="en-BE" sz="2400" b="0" i="0" u="none" strike="noStrike" kern="1200">
+                          <a:solidFill>
+                            <a:schemeClr val="dk1"/>
+                          </a:solidFill>
+                          <a:effectLst/>
+                          <a:latin typeface="+mn-lt"/>
+                          <a:ea typeface="+mn-ea"/>
+                          <a:cs typeface="+mn-cs"/>
+                        </a:rPr>
+                        <a:t>0.33090</a:t>
+                      </a:r>
+                    </a:p>
+                  </a:txBody>
+                  <a:tcPr marL="127000" marR="127000" marT="63500" marB="63500"/>
+                </a:tc>
+                <a:tc>
+                  <a:txBody>
+                    <a:bodyPr/>
+                    <a:lstStyle/>
+                    <a:p>
+                      <a:pPr algn="just" rtl="0" fontAlgn="t">
+                        <a:spcBef>
+                          <a:spcPts val="0"/>
+                        </a:spcBef>
+                        <a:spcAft>
+                          <a:spcPts val="1200"/>
+                        </a:spcAft>
+                      </a:pPr>
+                      <a:r>
+                        <a:rPr lang="en-US" sz="2400" b="0" i="0" u="none" strike="noStrike" kern="1200" dirty="0">
+                          <a:solidFill>
+                            <a:schemeClr val="dk1"/>
+                          </a:solidFill>
+                          <a:effectLst/>
+                          <a:latin typeface="+mn-lt"/>
+                          <a:ea typeface="+mn-ea"/>
+                          <a:cs typeface="+mn-cs"/>
+                        </a:rPr>
+                        <a:t>3.09it/s</a:t>
+                      </a:r>
+                    </a:p>
+                  </a:txBody>
+                  <a:tcPr marL="127000" marR="127000" marT="63500" marB="63500"/>
+                </a:tc>
+                <a:extLst>
+                  <a:ext uri="{0D108BD9-81ED-4DB2-BD59-A6C34878D82A}">
+                    <a16:rowId xmlns:a16="http://schemas.microsoft.com/office/drawing/2014/main" val="256494591"/>
+                  </a:ext>
+                </a:extLst>
+              </a:tr>
+            </a:tbl>
+          </a:graphicData>
+        </a:graphic>
+      </p:graphicFrame>
     </p:spTree>
     <p:extLst>
       <p:ext uri="{BB962C8B-B14F-4D97-AF65-F5344CB8AC3E}">
-        <p14:creationId xmlns:p14="http://schemas.microsoft.com/office/powerpoint/2010/main" val="3086072239"/>
+        <p14:creationId xmlns:p14="http://schemas.microsoft.com/office/powerpoint/2010/main" val="841885446"/>
       </p:ext>
     </p:extLst>
   </p:cSld>
@@ -10525,6 +11980,2531 @@
 </file>
 
 <file path=ppt/slides/slide11.xml><?xml version="1.0" encoding="utf-8"?>
+<p:sld xmlns:a="http://schemas.openxmlformats.org/drawingml/2006/main" xmlns:r="http://schemas.openxmlformats.org/officeDocument/2006/relationships" xmlns:p="http://schemas.openxmlformats.org/presentationml/2006/main">
+  <p:cSld>
+    <p:spTree>
+      <p:nvGrpSpPr>
+        <p:cNvPr id="1" name=""/>
+        <p:cNvGrpSpPr/>
+        <p:nvPr/>
+      </p:nvGrpSpPr>
+      <p:grpSpPr>
+        <a:xfrm>
+          <a:off x="0" y="0"/>
+          <a:ext cx="0" cy="0"/>
+          <a:chOff x="0" y="0"/>
+          <a:chExt cx="0" cy="0"/>
+        </a:xfrm>
+      </p:grpSpPr>
+      <p:sp>
+        <p:nvSpPr>
+          <p:cNvPr id="2" name="Slide Number Placeholder 1">
+            <a:extLst>
+              <a:ext uri="{FF2B5EF4-FFF2-40B4-BE49-F238E27FC236}">
+                <a16:creationId xmlns:a16="http://schemas.microsoft.com/office/drawing/2014/main" id="{C9CCF7B1-B9AE-A34E-B504-44173987E70C}"/>
+              </a:ext>
+            </a:extLst>
+          </p:cNvPr>
+          <p:cNvSpPr>
+            <a:spLocks noGrp="1"/>
+          </p:cNvSpPr>
+          <p:nvPr>
+            <p:ph type="sldNum" sz="quarter" idx="10"/>
+          </p:nvPr>
+        </p:nvSpPr>
+        <p:spPr>
+          <a:xfrm>
+            <a:off x="8923493" y="6339173"/>
+            <a:ext cx="2644619" cy="365125"/>
+          </a:xfrm>
+        </p:spPr>
+        <p:txBody>
+          <a:bodyPr anchor="ctr">
+            <a:normAutofit/>
+          </a:bodyPr>
+          <a:lstStyle/>
+          <a:p>
+            <a:pPr>
+              <a:spcAft>
+                <a:spcPts val="600"/>
+              </a:spcAft>
+            </a:pPr>
+            <a:fld id="{E038E271-308C-2E46-A3EC-56326F9084CC}" type="slidenum">
+              <a:rPr lang="en-US" smtClean="0"/>
+              <a:pPr>
+                <a:spcAft>
+                  <a:spcPts val="600"/>
+                </a:spcAft>
+              </a:pPr>
+              <a:t>11</a:t>
+            </a:fld>
+            <a:endParaRPr lang="en-US"/>
+          </a:p>
+        </p:txBody>
+      </p:sp>
+      <p:sp>
+        <p:nvSpPr>
+          <p:cNvPr id="73" name="Text Placeholder 2">
+            <a:extLst>
+              <a:ext uri="{FF2B5EF4-FFF2-40B4-BE49-F238E27FC236}">
+                <a16:creationId xmlns:a16="http://schemas.microsoft.com/office/drawing/2014/main" id="{48F39FD9-000A-4715-BEE4-185236FCD2F0}"/>
+              </a:ext>
+            </a:extLst>
+          </p:cNvPr>
+          <p:cNvSpPr>
+            <a:spLocks noGrp="1"/>
+          </p:cNvSpPr>
+          <p:nvPr>
+            <p:ph type="body" sz="quarter" idx="22"/>
+          </p:nvPr>
+        </p:nvSpPr>
+        <p:spPr>
+          <a:xfrm>
+            <a:off x="630809" y="1578459"/>
+            <a:ext cx="5307799" cy="522288"/>
+          </a:xfrm>
+        </p:spPr>
+        <p:txBody>
+          <a:bodyPr/>
+          <a:lstStyle/>
+          <a:p>
+            <a:endParaRPr lang="en-US" dirty="0"/>
+          </a:p>
+        </p:txBody>
+      </p:sp>
+      <p:pic>
+        <p:nvPicPr>
+          <p:cNvPr id="1028" name="Picture 4">
+            <a:extLst>
+              <a:ext uri="{FF2B5EF4-FFF2-40B4-BE49-F238E27FC236}">
+                <a16:creationId xmlns:a16="http://schemas.microsoft.com/office/drawing/2014/main" id="{C9CB39C3-DA4B-4345-B660-8F7EA72E2220}"/>
+              </a:ext>
+            </a:extLst>
+          </p:cNvPr>
+          <p:cNvPicPr>
+            <a:picLocks noChangeAspect="1" noChangeArrowheads="1"/>
+          </p:cNvPicPr>
+          <p:nvPr/>
+        </p:nvPicPr>
+        <p:blipFill>
+          <a:blip r:embed="rId3">
+            <a:extLst>
+              <a:ext uri="{28A0092B-C50C-407E-A947-70E740481C1C}">
+                <a14:useLocalDpi xmlns:a14="http://schemas.microsoft.com/office/drawing/2010/main" val="0"/>
+              </a:ext>
+            </a:extLst>
+          </a:blip>
+          <a:stretch>
+            <a:fillRect/>
+          </a:stretch>
+        </p:blipFill>
+        <p:spPr bwMode="auto">
+          <a:xfrm>
+            <a:off x="630809" y="1937948"/>
+            <a:ext cx="5307799" cy="3621467"/>
+          </a:xfrm>
+          <a:prstGeom prst="rect">
+            <a:avLst/>
+          </a:prstGeom>
+          <a:solidFill>
+            <a:srgbClr val="FFFFFF"/>
+          </a:solidFill>
+          <a:extLst>
+            <a:ext uri="{909E8E84-426E-40DD-AFC4-6F175D3DCCD1}">
+              <a14:hiddenFill xmlns:a14="http://schemas.microsoft.com/office/drawing/2010/main">
+                <a:solidFill>
+                  <a:srgbClr val="FFFFFF"/>
+                </a:solidFill>
+              </a14:hiddenFill>
+            </a:ext>
+          </a:extLst>
+        </p:spPr>
+      </p:pic>
+      <p:sp>
+        <p:nvSpPr>
+          <p:cNvPr id="10" name="Content Placeholder 9">
+            <a:extLst>
+              <a:ext uri="{FF2B5EF4-FFF2-40B4-BE49-F238E27FC236}">
+                <a16:creationId xmlns:a16="http://schemas.microsoft.com/office/drawing/2014/main" id="{C2E8AB77-91D3-4284-A724-031DCEB0E587}"/>
+              </a:ext>
+            </a:extLst>
+          </p:cNvPr>
+          <p:cNvSpPr>
+            <a:spLocks noGrp="1"/>
+          </p:cNvSpPr>
+          <p:nvPr>
+            <p:ph sz="quarter" idx="28"/>
+          </p:nvPr>
+        </p:nvSpPr>
+        <p:spPr/>
+        <p:txBody>
+          <a:bodyPr/>
+          <a:lstStyle/>
+          <a:p>
+            <a:endParaRPr lang="en-BE"/>
+          </a:p>
+        </p:txBody>
+      </p:sp>
+      <p:sp>
+        <p:nvSpPr>
+          <p:cNvPr id="15" name="Title 7">
+            <a:extLst>
+              <a:ext uri="{FF2B5EF4-FFF2-40B4-BE49-F238E27FC236}">
+                <a16:creationId xmlns:a16="http://schemas.microsoft.com/office/drawing/2014/main" id="{A616F292-6BAE-4063-AB71-13B9276B3CFA}"/>
+              </a:ext>
+            </a:extLst>
+          </p:cNvPr>
+          <p:cNvSpPr>
+            <a:spLocks noGrp="1"/>
+          </p:cNvSpPr>
+          <p:nvPr>
+            <p:ph type="title"/>
+          </p:nvPr>
+        </p:nvSpPr>
+        <p:spPr>
+          <a:xfrm>
+            <a:off x="6564313" y="620713"/>
+            <a:ext cx="5003800" cy="1385085"/>
+          </a:xfrm>
+        </p:spPr>
+        <p:txBody>
+          <a:bodyPr/>
+          <a:lstStyle/>
+          <a:p>
+            <a:r>
+              <a:rPr lang="en-US" dirty="0"/>
+              <a:t>Epochs</a:t>
+            </a:r>
+            <a:endParaRPr lang="en-US" noProof="0" dirty="0"/>
+          </a:p>
+        </p:txBody>
+      </p:sp>
+      <p:sp>
+        <p:nvSpPr>
+          <p:cNvPr id="16" name="Content Placeholder 8">
+            <a:extLst>
+              <a:ext uri="{FF2B5EF4-FFF2-40B4-BE49-F238E27FC236}">
+                <a16:creationId xmlns:a16="http://schemas.microsoft.com/office/drawing/2014/main" id="{4C67EAB6-7E34-4957-85B2-DC407DAA91A1}"/>
+              </a:ext>
+            </a:extLst>
+          </p:cNvPr>
+          <p:cNvSpPr txBox="1">
+            <a:spLocks/>
+          </p:cNvSpPr>
+          <p:nvPr/>
+        </p:nvSpPr>
+        <p:spPr>
+          <a:xfrm>
+            <a:off x="6564313" y="2271713"/>
+            <a:ext cx="5004000" cy="3965575"/>
+          </a:xfrm>
+          <a:prstGeom prst="rect">
+            <a:avLst/>
+          </a:prstGeom>
+        </p:spPr>
+        <p:txBody>
+          <a:bodyPr/>
+          <a:lstStyle>
+            <a:lvl1pPr marL="268288" indent="-268288" algn="l" defTabSz="1217054" rtl="0" eaLnBrk="1" fontAlgn="base" hangingPunct="1">
+              <a:spcBef>
+                <a:spcPct val="20000"/>
+              </a:spcBef>
+              <a:spcAft>
+                <a:spcPct val="0"/>
+              </a:spcAft>
+              <a:buClr>
+                <a:schemeClr val="accent2"/>
+              </a:buClr>
+              <a:buSzPct val="75000"/>
+              <a:buFont typeface="Wingdings" panose="05000000000000000000" pitchFamily="2" charset="2"/>
+              <a:buChar char="§"/>
+              <a:defRPr sz="2800" b="1" i="0" kern="1200">
+                <a:solidFill>
+                  <a:schemeClr val="tx1"/>
+                </a:solidFill>
+                <a:latin typeface="+mn-lt"/>
+                <a:ea typeface="Verdana" charset="0"/>
+                <a:cs typeface="Calibri Light" panose="020F0302020204030204" pitchFamily="34" charset="0"/>
+              </a:defRPr>
+            </a:lvl1pPr>
+            <a:lvl2pPr marL="628650" indent="-268288" algn="l" defTabSz="1217054" rtl="0" eaLnBrk="1" fontAlgn="base" hangingPunct="1">
+              <a:spcBef>
+                <a:spcPct val="20000"/>
+              </a:spcBef>
+              <a:spcAft>
+                <a:spcPct val="0"/>
+              </a:spcAft>
+              <a:buClr>
+                <a:schemeClr val="accent1"/>
+              </a:buClr>
+              <a:buSzPct val="75000"/>
+              <a:buFont typeface="Wingdings" panose="05000000000000000000" pitchFamily="2" charset="2"/>
+              <a:buChar char="§"/>
+              <a:defRPr sz="2400" kern="1200">
+                <a:solidFill>
+                  <a:schemeClr val="tx1"/>
+                </a:solidFill>
+                <a:latin typeface="+mn-lt"/>
+                <a:ea typeface="Verdana" charset="0"/>
+                <a:cs typeface="Calibri" panose="020F0502020204030204" pitchFamily="34" charset="0"/>
+              </a:defRPr>
+            </a:lvl2pPr>
+            <a:lvl3pPr marL="987425" indent="-268288" algn="l" defTabSz="1217054" rtl="0" eaLnBrk="1" fontAlgn="base" hangingPunct="1">
+              <a:spcBef>
+                <a:spcPct val="20000"/>
+              </a:spcBef>
+              <a:spcAft>
+                <a:spcPct val="0"/>
+              </a:spcAft>
+              <a:buClr>
+                <a:schemeClr val="accent1"/>
+              </a:buClr>
+              <a:buFont typeface="Arial" panose="020B0604020202020204" pitchFamily="34" charset="0"/>
+              <a:buChar char="•"/>
+              <a:defRPr sz="2000" kern="1200">
+                <a:solidFill>
+                  <a:schemeClr val="tx1"/>
+                </a:solidFill>
+                <a:latin typeface="+mn-lt"/>
+                <a:ea typeface="Verdana" charset="0"/>
+                <a:cs typeface="Calibri" panose="020F0502020204030204" pitchFamily="34" charset="0"/>
+              </a:defRPr>
+            </a:lvl3pPr>
+            <a:lvl4pPr marL="1347788" indent="-268288" algn="l" defTabSz="1217054" rtl="0" eaLnBrk="1" fontAlgn="base" hangingPunct="1">
+              <a:spcBef>
+                <a:spcPct val="20000"/>
+              </a:spcBef>
+              <a:spcAft>
+                <a:spcPct val="0"/>
+              </a:spcAft>
+              <a:buClr>
+                <a:schemeClr val="accent1"/>
+              </a:buClr>
+              <a:buFont typeface="Arial" panose="020B0604020202020204" pitchFamily="34" charset="0"/>
+              <a:buChar char="•"/>
+              <a:defRPr sz="1800" kern="1200">
+                <a:solidFill>
+                  <a:schemeClr val="tx1"/>
+                </a:solidFill>
+                <a:latin typeface="+mn-lt"/>
+                <a:ea typeface="Verdana" charset="0"/>
+                <a:cs typeface="Calibri" panose="020F0502020204030204" pitchFamily="34" charset="0"/>
+              </a:defRPr>
+            </a:lvl4pPr>
+            <a:lvl5pPr marL="1700213" indent="-268288" algn="l" defTabSz="1217054" rtl="0" eaLnBrk="1" fontAlgn="base" hangingPunct="1">
+              <a:spcBef>
+                <a:spcPct val="20000"/>
+              </a:spcBef>
+              <a:spcAft>
+                <a:spcPct val="0"/>
+              </a:spcAft>
+              <a:buClr>
+                <a:schemeClr val="accent1"/>
+              </a:buClr>
+              <a:buFont typeface="Arial" panose="020B0604020202020204" pitchFamily="34" charset="0"/>
+              <a:buChar char="•"/>
+              <a:defRPr sz="1800" kern="1200">
+                <a:solidFill>
+                  <a:schemeClr val="tx1"/>
+                </a:solidFill>
+                <a:latin typeface="+mn-lt"/>
+                <a:ea typeface="Verdana" charset="0"/>
+                <a:cs typeface="Calibri" panose="020F0502020204030204" pitchFamily="34" charset="0"/>
+              </a:defRPr>
+            </a:lvl5pPr>
+            <a:lvl6pPr marL="2076450" indent="-285750" algn="l" defTabSz="1219140" rtl="0" eaLnBrk="1" latinLnBrk="0" hangingPunct="1">
+              <a:spcBef>
+                <a:spcPct val="20000"/>
+              </a:spcBef>
+              <a:buFont typeface="Arial" panose="020B0604020202020204" pitchFamily="34" charset="0"/>
+              <a:buChar char="•"/>
+              <a:defRPr sz="1800" kern="1200">
+                <a:solidFill>
+                  <a:schemeClr val="tx1"/>
+                </a:solidFill>
+                <a:latin typeface="+mn-lt"/>
+                <a:ea typeface="+mn-ea"/>
+                <a:cs typeface="+mn-cs"/>
+              </a:defRPr>
+            </a:lvl6pPr>
+            <a:lvl7pPr marL="2441575" indent="-285750" algn="l" defTabSz="1219140" rtl="0" eaLnBrk="1" latinLnBrk="0" hangingPunct="1">
+              <a:spcBef>
+                <a:spcPct val="20000"/>
+              </a:spcBef>
+              <a:buFont typeface="Arial" panose="020B0604020202020204" pitchFamily="34" charset="0"/>
+              <a:buChar char="•"/>
+              <a:defRPr lang="nl-BE" sz="1800" kern="1200" dirty="0" err="1" smtClean="0">
+                <a:solidFill>
+                  <a:schemeClr val="tx1"/>
+                </a:solidFill>
+                <a:latin typeface="+mn-lt"/>
+                <a:ea typeface="+mn-ea"/>
+                <a:cs typeface="+mn-cs"/>
+              </a:defRPr>
+            </a:lvl7pPr>
+            <a:lvl8pPr marL="2795587" indent="-285750" algn="l" defTabSz="1219140" rtl="0" eaLnBrk="1" latinLnBrk="0" hangingPunct="1">
+              <a:spcBef>
+                <a:spcPct val="20000"/>
+              </a:spcBef>
+              <a:buFont typeface="Arial" panose="020B0604020202020204" pitchFamily="34" charset="0"/>
+              <a:buChar char="•"/>
+              <a:defRPr sz="1800" kern="1200">
+                <a:solidFill>
+                  <a:schemeClr val="tx1"/>
+                </a:solidFill>
+                <a:latin typeface="+mn-lt"/>
+                <a:ea typeface="+mn-ea"/>
+                <a:cs typeface="+mn-cs"/>
+              </a:defRPr>
+            </a:lvl8pPr>
+            <a:lvl9pPr marL="3160712" indent="-285750" algn="l" defTabSz="1219140" rtl="0" eaLnBrk="1" latinLnBrk="0" hangingPunct="1">
+              <a:spcBef>
+                <a:spcPct val="20000"/>
+              </a:spcBef>
+              <a:buFont typeface="Arial" panose="020B0604020202020204" pitchFamily="34" charset="0"/>
+              <a:buChar char="•"/>
+              <a:defRPr sz="1800" kern="1200">
+                <a:solidFill>
+                  <a:schemeClr val="tx1"/>
+                </a:solidFill>
+                <a:latin typeface="+mn-lt"/>
+                <a:ea typeface="+mn-ea"/>
+                <a:cs typeface="+mn-cs"/>
+              </a:defRPr>
+            </a:lvl9pPr>
+          </a:lstStyle>
+          <a:p>
+            <a:r>
+              <a:rPr lang="en-US" dirty="0" err="1"/>
+              <a:t>CERerankingEvaluator</a:t>
+            </a:r>
+            <a:endParaRPr lang="en-US" dirty="0"/>
+          </a:p>
+          <a:p>
+            <a:r>
+              <a:rPr lang="en-US" dirty="0"/>
+              <a:t>Epochs: 2 or 4?</a:t>
+            </a:r>
+          </a:p>
+        </p:txBody>
+      </p:sp>
+    </p:spTree>
+    <p:extLst>
+      <p:ext uri="{BB962C8B-B14F-4D97-AF65-F5344CB8AC3E}">
+        <p14:creationId xmlns:p14="http://schemas.microsoft.com/office/powerpoint/2010/main" val="1247406685"/>
+      </p:ext>
+    </p:extLst>
+  </p:cSld>
+  <p:clrMapOvr>
+    <a:masterClrMapping/>
+  </p:clrMapOvr>
+</p:sld>
+</file>
+
+<file path=ppt/slides/slide12.xml><?xml version="1.0" encoding="utf-8"?>
+<p:sld xmlns:a="http://schemas.openxmlformats.org/drawingml/2006/main" xmlns:r="http://schemas.openxmlformats.org/officeDocument/2006/relationships" xmlns:p="http://schemas.openxmlformats.org/presentationml/2006/main">
+  <p:cSld>
+    <p:spTree>
+      <p:nvGrpSpPr>
+        <p:cNvPr id="1" name=""/>
+        <p:cNvGrpSpPr/>
+        <p:nvPr/>
+      </p:nvGrpSpPr>
+      <p:grpSpPr>
+        <a:xfrm>
+          <a:off x="0" y="0"/>
+          <a:ext cx="0" cy="0"/>
+          <a:chOff x="0" y="0"/>
+          <a:chExt cx="0" cy="0"/>
+        </a:xfrm>
+      </p:grpSpPr>
+      <p:sp>
+        <p:nvSpPr>
+          <p:cNvPr id="2" name="Slide Number Placeholder 1">
+            <a:extLst>
+              <a:ext uri="{FF2B5EF4-FFF2-40B4-BE49-F238E27FC236}">
+                <a16:creationId xmlns:a16="http://schemas.microsoft.com/office/drawing/2014/main" id="{C9CCF7B1-B9AE-A34E-B504-44173987E70C}"/>
+              </a:ext>
+            </a:extLst>
+          </p:cNvPr>
+          <p:cNvSpPr>
+            <a:spLocks noGrp="1"/>
+          </p:cNvSpPr>
+          <p:nvPr>
+            <p:ph type="sldNum" sz="quarter" idx="10"/>
+          </p:nvPr>
+        </p:nvSpPr>
+        <p:spPr>
+          <a:xfrm>
+            <a:off x="8923493" y="6339173"/>
+            <a:ext cx="2644619" cy="365125"/>
+          </a:xfrm>
+        </p:spPr>
+        <p:txBody>
+          <a:bodyPr anchor="ctr">
+            <a:normAutofit/>
+          </a:bodyPr>
+          <a:lstStyle/>
+          <a:p>
+            <a:pPr>
+              <a:spcAft>
+                <a:spcPts val="600"/>
+              </a:spcAft>
+            </a:pPr>
+            <a:fld id="{E038E271-308C-2E46-A3EC-56326F9084CC}" type="slidenum">
+              <a:rPr lang="en-US" smtClean="0"/>
+              <a:pPr>
+                <a:spcAft>
+                  <a:spcPts val="600"/>
+                </a:spcAft>
+              </a:pPr>
+              <a:t>12</a:t>
+            </a:fld>
+            <a:endParaRPr lang="en-US"/>
+          </a:p>
+        </p:txBody>
+      </p:sp>
+      <p:sp>
+        <p:nvSpPr>
+          <p:cNvPr id="73" name="Text Placeholder 2">
+            <a:extLst>
+              <a:ext uri="{FF2B5EF4-FFF2-40B4-BE49-F238E27FC236}">
+                <a16:creationId xmlns:a16="http://schemas.microsoft.com/office/drawing/2014/main" id="{48F39FD9-000A-4715-BEE4-185236FCD2F0}"/>
+              </a:ext>
+            </a:extLst>
+          </p:cNvPr>
+          <p:cNvSpPr>
+            <a:spLocks noGrp="1"/>
+          </p:cNvSpPr>
+          <p:nvPr>
+            <p:ph type="body" sz="quarter" idx="22"/>
+          </p:nvPr>
+        </p:nvSpPr>
+        <p:spPr>
+          <a:xfrm>
+            <a:off x="630809" y="1578459"/>
+            <a:ext cx="5307799" cy="522288"/>
+          </a:xfrm>
+        </p:spPr>
+        <p:txBody>
+          <a:bodyPr/>
+          <a:lstStyle/>
+          <a:p>
+            <a:endParaRPr lang="en-US" dirty="0"/>
+          </a:p>
+        </p:txBody>
+      </p:sp>
+      <p:sp>
+        <p:nvSpPr>
+          <p:cNvPr id="10" name="Content Placeholder 9">
+            <a:extLst>
+              <a:ext uri="{FF2B5EF4-FFF2-40B4-BE49-F238E27FC236}">
+                <a16:creationId xmlns:a16="http://schemas.microsoft.com/office/drawing/2014/main" id="{C2E8AB77-91D3-4284-A724-031DCEB0E587}"/>
+              </a:ext>
+            </a:extLst>
+          </p:cNvPr>
+          <p:cNvSpPr>
+            <a:spLocks noGrp="1"/>
+          </p:cNvSpPr>
+          <p:nvPr>
+            <p:ph sz="quarter" idx="28"/>
+          </p:nvPr>
+        </p:nvSpPr>
+        <p:spPr/>
+        <p:txBody>
+          <a:bodyPr/>
+          <a:lstStyle/>
+          <a:p>
+            <a:endParaRPr lang="en-BE"/>
+          </a:p>
+        </p:txBody>
+      </p:sp>
+      <p:sp>
+        <p:nvSpPr>
+          <p:cNvPr id="15" name="Title 7">
+            <a:extLst>
+              <a:ext uri="{FF2B5EF4-FFF2-40B4-BE49-F238E27FC236}">
+                <a16:creationId xmlns:a16="http://schemas.microsoft.com/office/drawing/2014/main" id="{A616F292-6BAE-4063-AB71-13B9276B3CFA}"/>
+              </a:ext>
+            </a:extLst>
+          </p:cNvPr>
+          <p:cNvSpPr>
+            <a:spLocks noGrp="1"/>
+          </p:cNvSpPr>
+          <p:nvPr>
+            <p:ph type="title"/>
+          </p:nvPr>
+        </p:nvSpPr>
+        <p:spPr>
+          <a:xfrm>
+            <a:off x="6564313" y="620713"/>
+            <a:ext cx="5003800" cy="1385085"/>
+          </a:xfrm>
+        </p:spPr>
+        <p:txBody>
+          <a:bodyPr/>
+          <a:lstStyle/>
+          <a:p>
+            <a:r>
+              <a:rPr lang="en-US" dirty="0"/>
+              <a:t>Truncate Length</a:t>
+            </a:r>
+            <a:endParaRPr lang="en-US" noProof="0" dirty="0"/>
+          </a:p>
+        </p:txBody>
+      </p:sp>
+      <p:sp>
+        <p:nvSpPr>
+          <p:cNvPr id="16" name="Content Placeholder 8">
+            <a:extLst>
+              <a:ext uri="{FF2B5EF4-FFF2-40B4-BE49-F238E27FC236}">
+                <a16:creationId xmlns:a16="http://schemas.microsoft.com/office/drawing/2014/main" id="{4C67EAB6-7E34-4957-85B2-DC407DAA91A1}"/>
+              </a:ext>
+            </a:extLst>
+          </p:cNvPr>
+          <p:cNvSpPr txBox="1">
+            <a:spLocks/>
+          </p:cNvSpPr>
+          <p:nvPr/>
+        </p:nvSpPr>
+        <p:spPr>
+          <a:xfrm>
+            <a:off x="6564313" y="2271713"/>
+            <a:ext cx="5004000" cy="3965575"/>
+          </a:xfrm>
+          <a:prstGeom prst="rect">
+            <a:avLst/>
+          </a:prstGeom>
+        </p:spPr>
+        <p:txBody>
+          <a:bodyPr/>
+          <a:lstStyle>
+            <a:lvl1pPr marL="268288" indent="-268288" algn="l" defTabSz="1217054" rtl="0" eaLnBrk="1" fontAlgn="base" hangingPunct="1">
+              <a:spcBef>
+                <a:spcPct val="20000"/>
+              </a:spcBef>
+              <a:spcAft>
+                <a:spcPct val="0"/>
+              </a:spcAft>
+              <a:buClr>
+                <a:schemeClr val="accent2"/>
+              </a:buClr>
+              <a:buSzPct val="75000"/>
+              <a:buFont typeface="Wingdings" panose="05000000000000000000" pitchFamily="2" charset="2"/>
+              <a:buChar char="§"/>
+              <a:defRPr sz="2800" b="1" i="0" kern="1200">
+                <a:solidFill>
+                  <a:schemeClr val="tx1"/>
+                </a:solidFill>
+                <a:latin typeface="+mn-lt"/>
+                <a:ea typeface="Verdana" charset="0"/>
+                <a:cs typeface="Calibri Light" panose="020F0302020204030204" pitchFamily="34" charset="0"/>
+              </a:defRPr>
+            </a:lvl1pPr>
+            <a:lvl2pPr marL="628650" indent="-268288" algn="l" defTabSz="1217054" rtl="0" eaLnBrk="1" fontAlgn="base" hangingPunct="1">
+              <a:spcBef>
+                <a:spcPct val="20000"/>
+              </a:spcBef>
+              <a:spcAft>
+                <a:spcPct val="0"/>
+              </a:spcAft>
+              <a:buClr>
+                <a:schemeClr val="accent1"/>
+              </a:buClr>
+              <a:buSzPct val="75000"/>
+              <a:buFont typeface="Wingdings" panose="05000000000000000000" pitchFamily="2" charset="2"/>
+              <a:buChar char="§"/>
+              <a:defRPr sz="2400" kern="1200">
+                <a:solidFill>
+                  <a:schemeClr val="tx1"/>
+                </a:solidFill>
+                <a:latin typeface="+mn-lt"/>
+                <a:ea typeface="Verdana" charset="0"/>
+                <a:cs typeface="Calibri" panose="020F0502020204030204" pitchFamily="34" charset="0"/>
+              </a:defRPr>
+            </a:lvl2pPr>
+            <a:lvl3pPr marL="987425" indent="-268288" algn="l" defTabSz="1217054" rtl="0" eaLnBrk="1" fontAlgn="base" hangingPunct="1">
+              <a:spcBef>
+                <a:spcPct val="20000"/>
+              </a:spcBef>
+              <a:spcAft>
+                <a:spcPct val="0"/>
+              </a:spcAft>
+              <a:buClr>
+                <a:schemeClr val="accent1"/>
+              </a:buClr>
+              <a:buFont typeface="Arial" panose="020B0604020202020204" pitchFamily="34" charset="0"/>
+              <a:buChar char="•"/>
+              <a:defRPr sz="2000" kern="1200">
+                <a:solidFill>
+                  <a:schemeClr val="tx1"/>
+                </a:solidFill>
+                <a:latin typeface="+mn-lt"/>
+                <a:ea typeface="Verdana" charset="0"/>
+                <a:cs typeface="Calibri" panose="020F0502020204030204" pitchFamily="34" charset="0"/>
+              </a:defRPr>
+            </a:lvl3pPr>
+            <a:lvl4pPr marL="1347788" indent="-268288" algn="l" defTabSz="1217054" rtl="0" eaLnBrk="1" fontAlgn="base" hangingPunct="1">
+              <a:spcBef>
+                <a:spcPct val="20000"/>
+              </a:spcBef>
+              <a:spcAft>
+                <a:spcPct val="0"/>
+              </a:spcAft>
+              <a:buClr>
+                <a:schemeClr val="accent1"/>
+              </a:buClr>
+              <a:buFont typeface="Arial" panose="020B0604020202020204" pitchFamily="34" charset="0"/>
+              <a:buChar char="•"/>
+              <a:defRPr sz="1800" kern="1200">
+                <a:solidFill>
+                  <a:schemeClr val="tx1"/>
+                </a:solidFill>
+                <a:latin typeface="+mn-lt"/>
+                <a:ea typeface="Verdana" charset="0"/>
+                <a:cs typeface="Calibri" panose="020F0502020204030204" pitchFamily="34" charset="0"/>
+              </a:defRPr>
+            </a:lvl4pPr>
+            <a:lvl5pPr marL="1700213" indent="-268288" algn="l" defTabSz="1217054" rtl="0" eaLnBrk="1" fontAlgn="base" hangingPunct="1">
+              <a:spcBef>
+                <a:spcPct val="20000"/>
+              </a:spcBef>
+              <a:spcAft>
+                <a:spcPct val="0"/>
+              </a:spcAft>
+              <a:buClr>
+                <a:schemeClr val="accent1"/>
+              </a:buClr>
+              <a:buFont typeface="Arial" panose="020B0604020202020204" pitchFamily="34" charset="0"/>
+              <a:buChar char="•"/>
+              <a:defRPr sz="1800" kern="1200">
+                <a:solidFill>
+                  <a:schemeClr val="tx1"/>
+                </a:solidFill>
+                <a:latin typeface="+mn-lt"/>
+                <a:ea typeface="Verdana" charset="0"/>
+                <a:cs typeface="Calibri" panose="020F0502020204030204" pitchFamily="34" charset="0"/>
+              </a:defRPr>
+            </a:lvl5pPr>
+            <a:lvl6pPr marL="2076450" indent="-285750" algn="l" defTabSz="1219140" rtl="0" eaLnBrk="1" latinLnBrk="0" hangingPunct="1">
+              <a:spcBef>
+                <a:spcPct val="20000"/>
+              </a:spcBef>
+              <a:buFont typeface="Arial" panose="020B0604020202020204" pitchFamily="34" charset="0"/>
+              <a:buChar char="•"/>
+              <a:defRPr sz="1800" kern="1200">
+                <a:solidFill>
+                  <a:schemeClr val="tx1"/>
+                </a:solidFill>
+                <a:latin typeface="+mn-lt"/>
+                <a:ea typeface="+mn-ea"/>
+                <a:cs typeface="+mn-cs"/>
+              </a:defRPr>
+            </a:lvl6pPr>
+            <a:lvl7pPr marL="2441575" indent="-285750" algn="l" defTabSz="1219140" rtl="0" eaLnBrk="1" latinLnBrk="0" hangingPunct="1">
+              <a:spcBef>
+                <a:spcPct val="20000"/>
+              </a:spcBef>
+              <a:buFont typeface="Arial" panose="020B0604020202020204" pitchFamily="34" charset="0"/>
+              <a:buChar char="•"/>
+              <a:defRPr lang="nl-BE" sz="1800" kern="1200" dirty="0" err="1" smtClean="0">
+                <a:solidFill>
+                  <a:schemeClr val="tx1"/>
+                </a:solidFill>
+                <a:latin typeface="+mn-lt"/>
+                <a:ea typeface="+mn-ea"/>
+                <a:cs typeface="+mn-cs"/>
+              </a:defRPr>
+            </a:lvl7pPr>
+            <a:lvl8pPr marL="2795587" indent="-285750" algn="l" defTabSz="1219140" rtl="0" eaLnBrk="1" latinLnBrk="0" hangingPunct="1">
+              <a:spcBef>
+                <a:spcPct val="20000"/>
+              </a:spcBef>
+              <a:buFont typeface="Arial" panose="020B0604020202020204" pitchFamily="34" charset="0"/>
+              <a:buChar char="•"/>
+              <a:defRPr sz="1800" kern="1200">
+                <a:solidFill>
+                  <a:schemeClr val="tx1"/>
+                </a:solidFill>
+                <a:latin typeface="+mn-lt"/>
+                <a:ea typeface="+mn-ea"/>
+                <a:cs typeface="+mn-cs"/>
+              </a:defRPr>
+            </a:lvl8pPr>
+            <a:lvl9pPr marL="3160712" indent="-285750" algn="l" defTabSz="1219140" rtl="0" eaLnBrk="1" latinLnBrk="0" hangingPunct="1">
+              <a:spcBef>
+                <a:spcPct val="20000"/>
+              </a:spcBef>
+              <a:buFont typeface="Arial" panose="020B0604020202020204" pitchFamily="34" charset="0"/>
+              <a:buChar char="•"/>
+              <a:defRPr sz="1800" kern="1200">
+                <a:solidFill>
+                  <a:schemeClr val="tx1"/>
+                </a:solidFill>
+                <a:latin typeface="+mn-lt"/>
+                <a:ea typeface="+mn-ea"/>
+                <a:cs typeface="+mn-cs"/>
+              </a:defRPr>
+            </a:lvl9pPr>
+          </a:lstStyle>
+          <a:p>
+            <a:r>
+              <a:rPr lang="en-US" dirty="0"/>
+              <a:t>No Max Specified</a:t>
+            </a:r>
+          </a:p>
+          <a:p>
+            <a:r>
+              <a:rPr lang="en-US" dirty="0"/>
+              <a:t>512 same as None</a:t>
+            </a:r>
+          </a:p>
+        </p:txBody>
+      </p:sp>
+      <p:pic>
+        <p:nvPicPr>
+          <p:cNvPr id="2050" name="Picture 2">
+            <a:extLst>
+              <a:ext uri="{FF2B5EF4-FFF2-40B4-BE49-F238E27FC236}">
+                <a16:creationId xmlns:a16="http://schemas.microsoft.com/office/drawing/2014/main" id="{D53F0214-5E16-4E46-B892-755D10A2BF7B}"/>
+              </a:ext>
+            </a:extLst>
+          </p:cNvPr>
+          <p:cNvPicPr>
+            <a:picLocks noChangeAspect="1" noChangeArrowheads="1"/>
+          </p:cNvPicPr>
+          <p:nvPr/>
+        </p:nvPicPr>
+        <p:blipFill>
+          <a:blip r:embed="rId3">
+            <a:extLst>
+              <a:ext uri="{28A0092B-C50C-407E-A947-70E740481C1C}">
+                <a14:useLocalDpi xmlns:a14="http://schemas.microsoft.com/office/drawing/2010/main" val="0"/>
+              </a:ext>
+            </a:extLst>
+          </a:blip>
+          <a:srcRect/>
+          <a:stretch>
+            <a:fillRect/>
+          </a:stretch>
+        </p:blipFill>
+        <p:spPr bwMode="auto">
+          <a:xfrm>
+            <a:off x="576508" y="2005798"/>
+            <a:ext cx="5416400" cy="3553617"/>
+          </a:xfrm>
+          <a:prstGeom prst="rect">
+            <a:avLst/>
+          </a:prstGeom>
+          <a:noFill/>
+          <a:extLst>
+            <a:ext uri="{909E8E84-426E-40DD-AFC4-6F175D3DCCD1}">
+              <a14:hiddenFill xmlns:a14="http://schemas.microsoft.com/office/drawing/2010/main">
+                <a:solidFill>
+                  <a:srgbClr val="FFFFFF"/>
+                </a:solidFill>
+              </a14:hiddenFill>
+            </a:ext>
+          </a:extLst>
+        </p:spPr>
+      </p:pic>
+    </p:spTree>
+    <p:extLst>
+      <p:ext uri="{BB962C8B-B14F-4D97-AF65-F5344CB8AC3E}">
+        <p14:creationId xmlns:p14="http://schemas.microsoft.com/office/powerpoint/2010/main" val="3217632656"/>
+      </p:ext>
+    </p:extLst>
+  </p:cSld>
+  <p:clrMapOvr>
+    <a:masterClrMapping/>
+  </p:clrMapOvr>
+</p:sld>
+</file>
+
+<file path=ppt/slides/slide13.xml><?xml version="1.0" encoding="utf-8"?>
+<p:sld xmlns:a="http://schemas.openxmlformats.org/drawingml/2006/main" xmlns:r="http://schemas.openxmlformats.org/officeDocument/2006/relationships" xmlns:p="http://schemas.openxmlformats.org/presentationml/2006/main">
+  <p:cSld>
+    <p:spTree>
+      <p:nvGrpSpPr>
+        <p:cNvPr id="1" name=""/>
+        <p:cNvGrpSpPr/>
+        <p:nvPr/>
+      </p:nvGrpSpPr>
+      <p:grpSpPr>
+        <a:xfrm>
+          <a:off x="0" y="0"/>
+          <a:ext cx="0" cy="0"/>
+          <a:chOff x="0" y="0"/>
+          <a:chExt cx="0" cy="0"/>
+        </a:xfrm>
+      </p:grpSpPr>
+      <p:sp>
+        <p:nvSpPr>
+          <p:cNvPr id="2" name="Slide Number Placeholder 1">
+            <a:extLst>
+              <a:ext uri="{FF2B5EF4-FFF2-40B4-BE49-F238E27FC236}">
+                <a16:creationId xmlns:a16="http://schemas.microsoft.com/office/drawing/2014/main" id="{C513C871-0180-4242-A284-ECD86E8F5255}"/>
+              </a:ext>
+            </a:extLst>
+          </p:cNvPr>
+          <p:cNvSpPr>
+            <a:spLocks noGrp="1"/>
+          </p:cNvSpPr>
+          <p:nvPr>
+            <p:ph type="sldNum" sz="quarter" idx="10"/>
+          </p:nvPr>
+        </p:nvSpPr>
+        <p:spPr/>
+        <p:txBody>
+          <a:bodyPr/>
+          <a:lstStyle/>
+          <a:p>
+            <a:fld id="{E038E271-308C-2E46-A3EC-56326F9084CC}" type="slidenum">
+              <a:rPr lang="nl-BE" smtClean="0"/>
+              <a:pPr/>
+              <a:t>13</a:t>
+            </a:fld>
+            <a:endParaRPr lang="nl-BE" dirty="0">
+              <a:latin typeface="Calibri Light" panose="020F0302020204030204" pitchFamily="34" charset="0"/>
+            </a:endParaRPr>
+          </a:p>
+        </p:txBody>
+      </p:sp>
+      <p:sp>
+        <p:nvSpPr>
+          <p:cNvPr id="3" name="Text Placeholder 2">
+            <a:extLst>
+              <a:ext uri="{FF2B5EF4-FFF2-40B4-BE49-F238E27FC236}">
+                <a16:creationId xmlns:a16="http://schemas.microsoft.com/office/drawing/2014/main" id="{1B978AA2-1CB9-4D3B-A271-DBB766C0F37E}"/>
+              </a:ext>
+            </a:extLst>
+          </p:cNvPr>
+          <p:cNvSpPr>
+            <a:spLocks noGrp="1"/>
+          </p:cNvSpPr>
+          <p:nvPr>
+            <p:ph type="body" sz="quarter" idx="22"/>
+          </p:nvPr>
+        </p:nvSpPr>
+        <p:spPr/>
+        <p:txBody>
+          <a:bodyPr/>
+          <a:lstStyle/>
+          <a:p>
+            <a:endParaRPr lang="en-BE"/>
+          </a:p>
+        </p:txBody>
+      </p:sp>
+      <p:sp>
+        <p:nvSpPr>
+          <p:cNvPr id="4" name="Text Placeholder 3">
+            <a:extLst>
+              <a:ext uri="{FF2B5EF4-FFF2-40B4-BE49-F238E27FC236}">
+                <a16:creationId xmlns:a16="http://schemas.microsoft.com/office/drawing/2014/main" id="{398161D3-04DC-4527-A546-32DA98F6E07A}"/>
+              </a:ext>
+            </a:extLst>
+          </p:cNvPr>
+          <p:cNvSpPr>
+            <a:spLocks noGrp="1"/>
+          </p:cNvSpPr>
+          <p:nvPr>
+            <p:ph type="body" sz="quarter" idx="26"/>
+          </p:nvPr>
+        </p:nvSpPr>
+        <p:spPr/>
+        <p:txBody>
+          <a:bodyPr/>
+          <a:lstStyle/>
+          <a:p>
+            <a:endParaRPr lang="en-BE"/>
+          </a:p>
+        </p:txBody>
+      </p:sp>
+      <p:sp>
+        <p:nvSpPr>
+          <p:cNvPr id="5" name="Content Placeholder 4">
+            <a:extLst>
+              <a:ext uri="{FF2B5EF4-FFF2-40B4-BE49-F238E27FC236}">
+                <a16:creationId xmlns:a16="http://schemas.microsoft.com/office/drawing/2014/main" id="{29CFDF58-1E9A-48B7-89B8-E3F7B7AACC8E}"/>
+              </a:ext>
+            </a:extLst>
+          </p:cNvPr>
+          <p:cNvSpPr>
+            <a:spLocks noGrp="1"/>
+          </p:cNvSpPr>
+          <p:nvPr>
+            <p:ph sz="quarter" idx="27"/>
+          </p:nvPr>
+        </p:nvSpPr>
+        <p:spPr/>
+        <p:txBody>
+          <a:bodyPr/>
+          <a:lstStyle/>
+          <a:p>
+            <a:endParaRPr lang="en-BE"/>
+          </a:p>
+        </p:txBody>
+      </p:sp>
+      <p:sp>
+        <p:nvSpPr>
+          <p:cNvPr id="6" name="Content Placeholder 5">
+            <a:extLst>
+              <a:ext uri="{FF2B5EF4-FFF2-40B4-BE49-F238E27FC236}">
+                <a16:creationId xmlns:a16="http://schemas.microsoft.com/office/drawing/2014/main" id="{645A233D-6C2C-4234-A2EA-54AE2504CB33}"/>
+              </a:ext>
+            </a:extLst>
+          </p:cNvPr>
+          <p:cNvSpPr>
+            <a:spLocks noGrp="1"/>
+          </p:cNvSpPr>
+          <p:nvPr>
+            <p:ph sz="quarter" idx="28"/>
+          </p:nvPr>
+        </p:nvSpPr>
+        <p:spPr/>
+        <p:txBody>
+          <a:bodyPr/>
+          <a:lstStyle/>
+          <a:p>
+            <a:endParaRPr lang="en-BE"/>
+          </a:p>
+        </p:txBody>
+      </p:sp>
+      <p:sp>
+        <p:nvSpPr>
+          <p:cNvPr id="7" name="Title 6">
+            <a:extLst>
+              <a:ext uri="{FF2B5EF4-FFF2-40B4-BE49-F238E27FC236}">
+                <a16:creationId xmlns:a16="http://schemas.microsoft.com/office/drawing/2014/main" id="{EFCC10A6-444C-40E5-8EB6-C8CAA882A348}"/>
+              </a:ext>
+            </a:extLst>
+          </p:cNvPr>
+          <p:cNvSpPr>
+            <a:spLocks noGrp="1"/>
+          </p:cNvSpPr>
+          <p:nvPr>
+            <p:ph type="title"/>
+          </p:nvPr>
+        </p:nvSpPr>
+        <p:spPr/>
+        <p:txBody>
+          <a:bodyPr/>
+          <a:lstStyle/>
+          <a:p>
+            <a:r>
+              <a:rPr lang="en-US" dirty="0"/>
+              <a:t>Relevant Threshold</a:t>
+            </a:r>
+            <a:endParaRPr lang="en-BE" dirty="0"/>
+          </a:p>
+        </p:txBody>
+      </p:sp>
+      <p:pic>
+        <p:nvPicPr>
+          <p:cNvPr id="3074" name="Picture 2">
+            <a:extLst>
+              <a:ext uri="{FF2B5EF4-FFF2-40B4-BE49-F238E27FC236}">
+                <a16:creationId xmlns:a16="http://schemas.microsoft.com/office/drawing/2014/main" id="{97093665-56C3-4B6F-8EF9-2A69ADAE2D28}"/>
+              </a:ext>
+            </a:extLst>
+          </p:cNvPr>
+          <p:cNvPicPr>
+            <a:picLocks noChangeAspect="1" noChangeArrowheads="1"/>
+          </p:cNvPicPr>
+          <p:nvPr/>
+        </p:nvPicPr>
+        <p:blipFill>
+          <a:blip r:embed="rId2">
+            <a:extLst>
+              <a:ext uri="{28A0092B-C50C-407E-A947-70E740481C1C}">
+                <a14:useLocalDpi xmlns:a14="http://schemas.microsoft.com/office/drawing/2010/main" val="0"/>
+              </a:ext>
+            </a:extLst>
+          </a:blip>
+          <a:srcRect/>
+          <a:stretch>
+            <a:fillRect/>
+          </a:stretch>
+        </p:blipFill>
+        <p:spPr bwMode="auto">
+          <a:xfrm>
+            <a:off x="594633" y="1329023"/>
+            <a:ext cx="6721363" cy="5010150"/>
+          </a:xfrm>
+          <a:prstGeom prst="rect">
+            <a:avLst/>
+          </a:prstGeom>
+          <a:noFill/>
+          <a:extLst>
+            <a:ext uri="{909E8E84-426E-40DD-AFC4-6F175D3DCCD1}">
+              <a14:hiddenFill xmlns:a14="http://schemas.microsoft.com/office/drawing/2010/main">
+                <a:solidFill>
+                  <a:srgbClr val="FFFFFF"/>
+                </a:solidFill>
+              </a14:hiddenFill>
+            </a:ext>
+          </a:extLst>
+        </p:spPr>
+      </p:pic>
+      <p:pic>
+        <p:nvPicPr>
+          <p:cNvPr id="3076" name="Picture 4">
+            <a:extLst>
+              <a:ext uri="{FF2B5EF4-FFF2-40B4-BE49-F238E27FC236}">
+                <a16:creationId xmlns:a16="http://schemas.microsoft.com/office/drawing/2014/main" id="{C30F803B-F8F5-4BB1-BE16-38516E1989D3}"/>
+              </a:ext>
+            </a:extLst>
+          </p:cNvPr>
+          <p:cNvPicPr>
+            <a:picLocks noChangeAspect="1" noChangeArrowheads="1"/>
+          </p:cNvPicPr>
+          <p:nvPr/>
+        </p:nvPicPr>
+        <p:blipFill>
+          <a:blip r:embed="rId3">
+            <a:extLst>
+              <a:ext uri="{28A0092B-C50C-407E-A947-70E740481C1C}">
+                <a14:useLocalDpi xmlns:a14="http://schemas.microsoft.com/office/drawing/2010/main" val="0"/>
+              </a:ext>
+            </a:extLst>
+          </a:blip>
+          <a:srcRect/>
+          <a:stretch>
+            <a:fillRect/>
+          </a:stretch>
+        </p:blipFill>
+        <p:spPr bwMode="auto">
+          <a:xfrm>
+            <a:off x="7684515" y="1329023"/>
+            <a:ext cx="3876675" cy="2514600"/>
+          </a:xfrm>
+          <a:prstGeom prst="rect">
+            <a:avLst/>
+          </a:prstGeom>
+          <a:noFill/>
+          <a:extLst>
+            <a:ext uri="{909E8E84-426E-40DD-AFC4-6F175D3DCCD1}">
+              <a14:hiddenFill xmlns:a14="http://schemas.microsoft.com/office/drawing/2010/main">
+                <a:solidFill>
+                  <a:srgbClr val="FFFFFF"/>
+                </a:solidFill>
+              </a14:hiddenFill>
+            </a:ext>
+          </a:extLst>
+        </p:spPr>
+      </p:pic>
+      <p:pic>
+        <p:nvPicPr>
+          <p:cNvPr id="3078" name="Picture 6">
+            <a:extLst>
+              <a:ext uri="{FF2B5EF4-FFF2-40B4-BE49-F238E27FC236}">
+                <a16:creationId xmlns:a16="http://schemas.microsoft.com/office/drawing/2014/main" id="{407DDFB1-FCA8-4B7E-91A0-5ECB74F1335A}"/>
+              </a:ext>
+            </a:extLst>
+          </p:cNvPr>
+          <p:cNvPicPr>
+            <a:picLocks noChangeAspect="1" noChangeArrowheads="1"/>
+          </p:cNvPicPr>
+          <p:nvPr/>
+        </p:nvPicPr>
+        <p:blipFill>
+          <a:blip r:embed="rId4">
+            <a:extLst>
+              <a:ext uri="{28A0092B-C50C-407E-A947-70E740481C1C}">
+                <a14:useLocalDpi xmlns:a14="http://schemas.microsoft.com/office/drawing/2010/main" val="0"/>
+              </a:ext>
+            </a:extLst>
+          </a:blip>
+          <a:srcRect/>
+          <a:stretch>
+            <a:fillRect/>
+          </a:stretch>
+        </p:blipFill>
+        <p:spPr bwMode="auto">
+          <a:xfrm>
+            <a:off x="7712411" y="3843623"/>
+            <a:ext cx="3819525" cy="2495550"/>
+          </a:xfrm>
+          <a:prstGeom prst="rect">
+            <a:avLst/>
+          </a:prstGeom>
+          <a:noFill/>
+          <a:extLst>
+            <a:ext uri="{909E8E84-426E-40DD-AFC4-6F175D3DCCD1}">
+              <a14:hiddenFill xmlns:a14="http://schemas.microsoft.com/office/drawing/2010/main">
+                <a:solidFill>
+                  <a:srgbClr val="FFFFFF"/>
+                </a:solidFill>
+              </a14:hiddenFill>
+            </a:ext>
+          </a:extLst>
+        </p:spPr>
+      </p:pic>
+    </p:spTree>
+    <p:extLst>
+      <p:ext uri="{BB962C8B-B14F-4D97-AF65-F5344CB8AC3E}">
+        <p14:creationId xmlns:p14="http://schemas.microsoft.com/office/powerpoint/2010/main" val="1341492933"/>
+      </p:ext>
+    </p:extLst>
+  </p:cSld>
+  <p:clrMapOvr>
+    <a:masterClrMapping/>
+  </p:clrMapOvr>
+</p:sld>
+</file>
+
+<file path=ppt/slides/slide14.xml><?xml version="1.0" encoding="utf-8"?>
+<p:sld xmlns:a="http://schemas.openxmlformats.org/drawingml/2006/main" xmlns:r="http://schemas.openxmlformats.org/officeDocument/2006/relationships" xmlns:p="http://schemas.openxmlformats.org/presentationml/2006/main">
+  <p:cSld>
+    <p:spTree>
+      <p:nvGrpSpPr>
+        <p:cNvPr id="1" name=""/>
+        <p:cNvGrpSpPr/>
+        <p:nvPr/>
+      </p:nvGrpSpPr>
+      <p:grpSpPr>
+        <a:xfrm>
+          <a:off x="0" y="0"/>
+          <a:ext cx="0" cy="0"/>
+          <a:chOff x="0" y="0"/>
+          <a:chExt cx="0" cy="0"/>
+        </a:xfrm>
+      </p:grpSpPr>
+      <p:sp>
+        <p:nvSpPr>
+          <p:cNvPr id="2" name="Slide Number Placeholder 1">
+            <a:extLst>
+              <a:ext uri="{FF2B5EF4-FFF2-40B4-BE49-F238E27FC236}">
+                <a16:creationId xmlns:a16="http://schemas.microsoft.com/office/drawing/2014/main" id="{C9CCF7B1-B9AE-A34E-B504-44173987E70C}"/>
+              </a:ext>
+            </a:extLst>
+          </p:cNvPr>
+          <p:cNvSpPr>
+            <a:spLocks noGrp="1"/>
+          </p:cNvSpPr>
+          <p:nvPr>
+            <p:ph type="sldNum" sz="quarter" idx="10"/>
+          </p:nvPr>
+        </p:nvSpPr>
+        <p:spPr>
+          <a:xfrm>
+            <a:off x="8923493" y="6339173"/>
+            <a:ext cx="2644619" cy="365125"/>
+          </a:xfrm>
+        </p:spPr>
+        <p:txBody>
+          <a:bodyPr/>
+          <a:lstStyle/>
+          <a:p>
+            <a:fld id="{E038E271-308C-2E46-A3EC-56326F9084CC}" type="slidenum">
+              <a:rPr lang="en-US" smtClean="0"/>
+              <a:pPr/>
+              <a:t>14</a:t>
+            </a:fld>
+            <a:endParaRPr lang="en-US" dirty="0"/>
+          </a:p>
+        </p:txBody>
+      </p:sp>
+      <p:sp>
+        <p:nvSpPr>
+          <p:cNvPr id="8" name="Title 7">
+            <a:extLst>
+              <a:ext uri="{FF2B5EF4-FFF2-40B4-BE49-F238E27FC236}">
+                <a16:creationId xmlns:a16="http://schemas.microsoft.com/office/drawing/2014/main" id="{8718D8DA-6885-4043-91C1-32FF4660B5E3}"/>
+              </a:ext>
+            </a:extLst>
+          </p:cNvPr>
+          <p:cNvSpPr>
+            <a:spLocks noGrp="1"/>
+          </p:cNvSpPr>
+          <p:nvPr>
+            <p:ph type="title"/>
+          </p:nvPr>
+        </p:nvSpPr>
+        <p:spPr/>
+        <p:txBody>
+          <a:bodyPr/>
+          <a:lstStyle/>
+          <a:p>
+            <a:r>
+              <a:rPr lang="en-US" noProof="0" dirty="0"/>
+              <a:t>Other parameters</a:t>
+            </a:r>
+          </a:p>
+        </p:txBody>
+      </p:sp>
+      <p:sp>
+        <p:nvSpPr>
+          <p:cNvPr id="9" name="Content Placeholder 8">
+            <a:extLst>
+              <a:ext uri="{FF2B5EF4-FFF2-40B4-BE49-F238E27FC236}">
+                <a16:creationId xmlns:a16="http://schemas.microsoft.com/office/drawing/2014/main" id="{A8E9E0A9-1EA9-4516-9DC5-43A351E6F8A9}"/>
+              </a:ext>
+            </a:extLst>
+          </p:cNvPr>
+          <p:cNvSpPr>
+            <a:spLocks noGrp="1"/>
+          </p:cNvSpPr>
+          <p:nvPr>
+            <p:ph sz="quarter" idx="12"/>
+          </p:nvPr>
+        </p:nvSpPr>
+        <p:spPr/>
+        <p:txBody>
+          <a:bodyPr/>
+          <a:lstStyle/>
+          <a:p>
+            <a:r>
+              <a:rPr lang="en-US" dirty="0"/>
+              <a:t>Train batch size</a:t>
+            </a:r>
+          </a:p>
+          <a:p>
+            <a:r>
+              <a:rPr lang="en-US" dirty="0"/>
+              <a:t>Warmup size</a:t>
+            </a:r>
+          </a:p>
+          <a:p>
+            <a:r>
+              <a:rPr lang="en-US" dirty="0"/>
+              <a:t>…</a:t>
+            </a:r>
+          </a:p>
+          <a:p>
+            <a:endParaRPr lang="en-US" dirty="0"/>
+          </a:p>
+        </p:txBody>
+      </p:sp>
+      <p:pic>
+        <p:nvPicPr>
+          <p:cNvPr id="6" name="Picture Placeholder 5">
+            <a:extLst>
+              <a:ext uri="{FF2B5EF4-FFF2-40B4-BE49-F238E27FC236}">
+                <a16:creationId xmlns:a16="http://schemas.microsoft.com/office/drawing/2014/main" id="{67451D36-0F18-46D8-B153-DA5DF5A17BB4}"/>
+              </a:ext>
+            </a:extLst>
+          </p:cNvPr>
+          <p:cNvPicPr>
+            <a:picLocks noGrp="1" noChangeAspect="1"/>
+          </p:cNvPicPr>
+          <p:nvPr>
+            <p:ph type="pic" idx="1"/>
+          </p:nvPr>
+        </p:nvPicPr>
+        <p:blipFill>
+          <a:blip r:embed="rId3">
+            <a:extLst>
+              <a:ext uri="{837473B0-CC2E-450A-ABE3-18F120FF3D39}">
+                <a1611:picAttrSrcUrl xmlns:a1611="http://schemas.microsoft.com/office/drawing/2016/11/main" r:id="rId4"/>
+              </a:ext>
+            </a:extLst>
+          </a:blip>
+          <a:srcRect l="21078" r="21078"/>
+          <a:stretch/>
+        </p:blipFill>
+        <p:spPr>
+          <a:xfrm>
+            <a:off x="623889" y="620713"/>
+            <a:ext cx="5145732" cy="5616575"/>
+          </a:xfrm>
+        </p:spPr>
+      </p:pic>
+    </p:spTree>
+    <p:extLst>
+      <p:ext uri="{BB962C8B-B14F-4D97-AF65-F5344CB8AC3E}">
+        <p14:creationId xmlns:p14="http://schemas.microsoft.com/office/powerpoint/2010/main" val="1170346245"/>
+      </p:ext>
+    </p:extLst>
+  </p:cSld>
+  <p:clrMapOvr>
+    <a:masterClrMapping/>
+  </p:clrMapOvr>
+</p:sld>
+</file>
+
+<file path=ppt/slides/slide15.xml><?xml version="1.0" encoding="utf-8"?>
+<p:sld xmlns:a="http://schemas.openxmlformats.org/drawingml/2006/main" xmlns:r="http://schemas.openxmlformats.org/officeDocument/2006/relationships" xmlns:p="http://schemas.openxmlformats.org/presentationml/2006/main">
+  <p:cSld>
+    <p:spTree>
+      <p:nvGrpSpPr>
+        <p:cNvPr id="1" name=""/>
+        <p:cNvGrpSpPr/>
+        <p:nvPr/>
+      </p:nvGrpSpPr>
+      <p:grpSpPr>
+        <a:xfrm>
+          <a:off x="0" y="0"/>
+          <a:ext cx="0" cy="0"/>
+          <a:chOff x="0" y="0"/>
+          <a:chExt cx="0" cy="0"/>
+        </a:xfrm>
+      </p:grpSpPr>
+      <p:sp>
+        <p:nvSpPr>
+          <p:cNvPr id="6" name="Title 5">
+            <a:extLst>
+              <a:ext uri="{FF2B5EF4-FFF2-40B4-BE49-F238E27FC236}">
+                <a16:creationId xmlns:a16="http://schemas.microsoft.com/office/drawing/2014/main" id="{23494FE7-D33E-49E5-9FED-BE14093B97DF}"/>
+              </a:ext>
+            </a:extLst>
+          </p:cNvPr>
+          <p:cNvSpPr>
+            <a:spLocks noGrp="1"/>
+          </p:cNvSpPr>
+          <p:nvPr>
+            <p:ph type="title"/>
+          </p:nvPr>
+        </p:nvSpPr>
+        <p:spPr/>
+        <p:txBody>
+          <a:bodyPr/>
+          <a:lstStyle/>
+          <a:p>
+            <a:r>
+              <a:rPr lang="en-US" noProof="0" dirty="0"/>
+              <a:t>Final Results - Recommending</a:t>
+            </a:r>
+          </a:p>
+        </p:txBody>
+      </p:sp>
+      <p:sp>
+        <p:nvSpPr>
+          <p:cNvPr id="3" name="Slide Number Placeholder 2">
+            <a:extLst>
+              <a:ext uri="{FF2B5EF4-FFF2-40B4-BE49-F238E27FC236}">
+                <a16:creationId xmlns:a16="http://schemas.microsoft.com/office/drawing/2014/main" id="{ADD9C863-A5D5-2E4E-BD1E-C5C0C33F5D39}"/>
+              </a:ext>
+            </a:extLst>
+          </p:cNvPr>
+          <p:cNvSpPr>
+            <a:spLocks noGrp="1"/>
+          </p:cNvSpPr>
+          <p:nvPr>
+            <p:ph type="sldNum" sz="quarter" idx="10"/>
+          </p:nvPr>
+        </p:nvSpPr>
+        <p:spPr>
+          <a:xfrm>
+            <a:off x="8923493" y="6339173"/>
+            <a:ext cx="2644619" cy="365125"/>
+          </a:xfrm>
+        </p:spPr>
+        <p:txBody>
+          <a:bodyPr/>
+          <a:lstStyle/>
+          <a:p>
+            <a:fld id="{E038E271-308C-2E46-A3EC-56326F9084CC}" type="slidenum">
+              <a:rPr lang="nl-BE" smtClean="0"/>
+              <a:pPr/>
+              <a:t>15</a:t>
+            </a:fld>
+            <a:endParaRPr lang="nl-BE" dirty="0"/>
+          </a:p>
+        </p:txBody>
+      </p:sp>
+      <p:sp>
+        <p:nvSpPr>
+          <p:cNvPr id="7" name="Text Placeholder 6">
+            <a:extLst>
+              <a:ext uri="{FF2B5EF4-FFF2-40B4-BE49-F238E27FC236}">
+                <a16:creationId xmlns:a16="http://schemas.microsoft.com/office/drawing/2014/main" id="{2D361F8A-5995-48A9-9138-5390614326DE}"/>
+              </a:ext>
+            </a:extLst>
+          </p:cNvPr>
+          <p:cNvSpPr>
+            <a:spLocks noGrp="1"/>
+          </p:cNvSpPr>
+          <p:nvPr>
+            <p:ph type="body" sz="quarter" idx="11"/>
+          </p:nvPr>
+        </p:nvSpPr>
+        <p:spPr/>
+        <p:txBody>
+          <a:bodyPr/>
+          <a:lstStyle/>
+          <a:p>
+            <a:pPr marL="0" indent="0">
+              <a:buNone/>
+            </a:pPr>
+            <a:endParaRPr lang="nl-BE" dirty="0"/>
+          </a:p>
+        </p:txBody>
+      </p:sp>
+      <p:graphicFrame>
+        <p:nvGraphicFramePr>
+          <p:cNvPr id="2" name="Table 4">
+            <a:extLst>
+              <a:ext uri="{FF2B5EF4-FFF2-40B4-BE49-F238E27FC236}">
+                <a16:creationId xmlns:a16="http://schemas.microsoft.com/office/drawing/2014/main" id="{0C9F1B0E-C804-4479-AE9B-40CC4562B114}"/>
+              </a:ext>
+            </a:extLst>
+          </p:cNvPr>
+          <p:cNvGraphicFramePr>
+            <a:graphicFrameLocks noGrp="1"/>
+          </p:cNvGraphicFramePr>
+          <p:nvPr>
+            <p:extLst>
+              <p:ext uri="{D42A27DB-BD31-4B8C-83A1-F6EECF244321}">
+                <p14:modId xmlns:p14="http://schemas.microsoft.com/office/powerpoint/2010/main" val="3060575421"/>
+              </p:ext>
+            </p:extLst>
+          </p:nvPr>
+        </p:nvGraphicFramePr>
+        <p:xfrm>
+          <a:off x="1021196" y="2443480"/>
+          <a:ext cx="10149608" cy="1971040"/>
+        </p:xfrm>
+        <a:graphic>
+          <a:graphicData uri="http://schemas.openxmlformats.org/drawingml/2006/table">
+            <a:tbl>
+              <a:tblPr firstRow="1" bandRow="1">
+                <a:tableStyleId>{5C22544A-7EE6-4342-B048-85BDC9FD1C3A}</a:tableStyleId>
+              </a:tblPr>
+              <a:tblGrid>
+                <a:gridCol w="4730942">
+                  <a:extLst>
+                    <a:ext uri="{9D8B030D-6E8A-4147-A177-3AD203B41FA5}">
+                      <a16:colId xmlns:a16="http://schemas.microsoft.com/office/drawing/2014/main" val="1352684804"/>
+                    </a:ext>
+                  </a:extLst>
+                </a:gridCol>
+                <a:gridCol w="2709333">
+                  <a:extLst>
+                    <a:ext uri="{9D8B030D-6E8A-4147-A177-3AD203B41FA5}">
+                      <a16:colId xmlns:a16="http://schemas.microsoft.com/office/drawing/2014/main" val="292066498"/>
+                    </a:ext>
+                  </a:extLst>
+                </a:gridCol>
+                <a:gridCol w="2709333">
+                  <a:extLst>
+                    <a:ext uri="{9D8B030D-6E8A-4147-A177-3AD203B41FA5}">
+                      <a16:colId xmlns:a16="http://schemas.microsoft.com/office/drawing/2014/main" val="220726653"/>
+                    </a:ext>
+                  </a:extLst>
+                </a:gridCol>
+              </a:tblGrid>
+              <a:tr h="370840">
+                <a:tc>
+                  <a:txBody>
+                    <a:bodyPr/>
+                    <a:lstStyle/>
+                    <a:p>
+                      <a:pPr algn="ctr" rtl="0" fontAlgn="t">
+                        <a:spcBef>
+                          <a:spcPts val="0"/>
+                        </a:spcBef>
+                        <a:spcAft>
+                          <a:spcPts val="1200"/>
+                        </a:spcAft>
+                      </a:pPr>
+                      <a:r>
+                        <a:rPr lang="en-US" sz="2400" b="1" kern="1200" dirty="0">
+                          <a:solidFill>
+                            <a:schemeClr val="lt1"/>
+                          </a:solidFill>
+                          <a:latin typeface="+mn-lt"/>
+                          <a:ea typeface="+mn-ea"/>
+                          <a:cs typeface="+mn-cs"/>
+                        </a:rPr>
+                        <a:t>Name</a:t>
+                      </a:r>
+                    </a:p>
+                  </a:txBody>
+                  <a:tcPr marL="127000" marR="127000" marT="63500" marB="63500"/>
+                </a:tc>
+                <a:tc>
+                  <a:txBody>
+                    <a:bodyPr/>
+                    <a:lstStyle/>
+                    <a:p>
+                      <a:pPr algn="ctr" rtl="0" fontAlgn="t">
+                        <a:spcBef>
+                          <a:spcPts val="0"/>
+                        </a:spcBef>
+                        <a:spcAft>
+                          <a:spcPts val="1200"/>
+                        </a:spcAft>
+                      </a:pPr>
+                      <a:r>
+                        <a:rPr lang="en-US" sz="2400" b="1" kern="1200" dirty="0">
+                          <a:solidFill>
+                            <a:schemeClr val="lt1"/>
+                          </a:solidFill>
+                          <a:latin typeface="+mn-lt"/>
+                          <a:ea typeface="+mn-ea"/>
+                          <a:cs typeface="+mn-cs"/>
+                        </a:rPr>
+                        <a:t>Recall@10</a:t>
+                      </a:r>
+                    </a:p>
+                  </a:txBody>
+                  <a:tcPr marL="127000" marR="127000" marT="63500" marB="63500"/>
+                </a:tc>
+                <a:tc>
+                  <a:txBody>
+                    <a:bodyPr/>
+                    <a:lstStyle/>
+                    <a:p>
+                      <a:pPr algn="ctr" rtl="0" fontAlgn="t">
+                        <a:spcBef>
+                          <a:spcPts val="0"/>
+                        </a:spcBef>
+                        <a:spcAft>
+                          <a:spcPts val="1200"/>
+                        </a:spcAft>
+                      </a:pPr>
+                      <a:r>
+                        <a:rPr lang="en-US" sz="2400" b="1" kern="1200" dirty="0">
+                          <a:solidFill>
+                            <a:schemeClr val="lt1"/>
+                          </a:solidFill>
+                          <a:latin typeface="+mn-lt"/>
+                          <a:ea typeface="+mn-ea"/>
+                          <a:cs typeface="+mn-cs"/>
+                        </a:rPr>
+                        <a:t>Precision@10</a:t>
+                      </a:r>
+                    </a:p>
+                  </a:txBody>
+                  <a:tcPr marL="127000" marR="127000" marT="63500" marB="63500"/>
+                </a:tc>
+                <a:extLst>
+                  <a:ext uri="{0D108BD9-81ED-4DB2-BD59-A6C34878D82A}">
+                    <a16:rowId xmlns:a16="http://schemas.microsoft.com/office/drawing/2014/main" val="2282558026"/>
+                  </a:ext>
+                </a:extLst>
+              </a:tr>
+              <a:tr h="370840">
+                <a:tc>
+                  <a:txBody>
+                    <a:bodyPr/>
+                    <a:lstStyle/>
+                    <a:p>
+                      <a:pPr algn="just" rtl="0" fontAlgn="t">
+                        <a:spcBef>
+                          <a:spcPts val="0"/>
+                        </a:spcBef>
+                        <a:spcAft>
+                          <a:spcPts val="1200"/>
+                        </a:spcAft>
+                      </a:pPr>
+                      <a:r>
+                        <a:rPr lang="en-US" sz="2400" b="0" i="0" u="none" strike="noStrike" kern="1200">
+                          <a:solidFill>
+                            <a:schemeClr val="dk1"/>
+                          </a:solidFill>
+                          <a:effectLst/>
+                          <a:latin typeface="+mn-lt"/>
+                          <a:ea typeface="+mn-ea"/>
+                          <a:cs typeface="+mn-cs"/>
+                        </a:rPr>
+                        <a:t>LuceneRetriever</a:t>
+                      </a:r>
+                    </a:p>
+                  </a:txBody>
+                  <a:tcPr marL="127000" marR="127000" marT="63500" marB="63500"/>
+                </a:tc>
+                <a:tc>
+                  <a:txBody>
+                    <a:bodyPr/>
+                    <a:lstStyle/>
+                    <a:p>
+                      <a:pPr algn="just" rtl="0" fontAlgn="t">
+                        <a:spcBef>
+                          <a:spcPts val="0"/>
+                        </a:spcBef>
+                        <a:spcAft>
+                          <a:spcPts val="1200"/>
+                        </a:spcAft>
+                      </a:pPr>
+                      <a:r>
+                        <a:rPr lang="en-BE" sz="2400" b="0" i="0" u="none" strike="noStrike" kern="1200">
+                          <a:solidFill>
+                            <a:schemeClr val="dk1"/>
+                          </a:solidFill>
+                          <a:effectLst/>
+                          <a:latin typeface="+mn-lt"/>
+                          <a:ea typeface="+mn-ea"/>
+                          <a:cs typeface="+mn-cs"/>
+                        </a:rPr>
+                        <a:t>0.49958</a:t>
+                      </a:r>
+                    </a:p>
+                  </a:txBody>
+                  <a:tcPr marL="127000" marR="127000" marT="63500" marB="63500"/>
+                </a:tc>
+                <a:tc>
+                  <a:txBody>
+                    <a:bodyPr/>
+                    <a:lstStyle/>
+                    <a:p>
+                      <a:pPr algn="just" rtl="0" fontAlgn="t">
+                        <a:spcBef>
+                          <a:spcPts val="0"/>
+                        </a:spcBef>
+                        <a:spcAft>
+                          <a:spcPts val="1200"/>
+                        </a:spcAft>
+                      </a:pPr>
+                      <a:r>
+                        <a:rPr lang="en-BE" sz="2400" b="0" i="0" u="none" strike="noStrike" kern="1200">
+                          <a:solidFill>
+                            <a:schemeClr val="dk1"/>
+                          </a:solidFill>
+                          <a:effectLst/>
+                          <a:latin typeface="+mn-lt"/>
+                          <a:ea typeface="+mn-ea"/>
+                          <a:cs typeface="+mn-cs"/>
+                        </a:rPr>
+                        <a:t>0.49642</a:t>
+                      </a:r>
+                    </a:p>
+                  </a:txBody>
+                  <a:tcPr marL="127000" marR="127000" marT="63500" marB="63500"/>
+                </a:tc>
+                <a:extLst>
+                  <a:ext uri="{0D108BD9-81ED-4DB2-BD59-A6C34878D82A}">
+                    <a16:rowId xmlns:a16="http://schemas.microsoft.com/office/drawing/2014/main" val="3110927552"/>
+                  </a:ext>
+                </a:extLst>
+              </a:tr>
+              <a:tr h="370840">
+                <a:tc>
+                  <a:txBody>
+                    <a:bodyPr/>
+                    <a:lstStyle/>
+                    <a:p>
+                      <a:pPr algn="just" rtl="0" fontAlgn="t">
+                        <a:spcBef>
+                          <a:spcPts val="0"/>
+                        </a:spcBef>
+                        <a:spcAft>
+                          <a:spcPts val="1200"/>
+                        </a:spcAft>
+                      </a:pPr>
+                      <a:r>
+                        <a:rPr lang="en-US" sz="2400" b="0" i="0" u="none" strike="noStrike" kern="1200">
+                          <a:solidFill>
+                            <a:schemeClr val="dk1"/>
+                          </a:solidFill>
+                          <a:effectLst/>
+                          <a:latin typeface="+mn-lt"/>
+                          <a:ea typeface="+mn-ea"/>
+                          <a:cs typeface="+mn-cs"/>
+                        </a:rPr>
+                        <a:t>Optimized LuceneCrossRetriever</a:t>
+                      </a:r>
+                    </a:p>
+                  </a:txBody>
+                  <a:tcPr marL="127000" marR="127000" marT="63500" marB="63500"/>
+                </a:tc>
+                <a:tc>
+                  <a:txBody>
+                    <a:bodyPr/>
+                    <a:lstStyle/>
+                    <a:p>
+                      <a:pPr algn="just" rtl="0" fontAlgn="t">
+                        <a:spcBef>
+                          <a:spcPts val="0"/>
+                        </a:spcBef>
+                        <a:spcAft>
+                          <a:spcPts val="1200"/>
+                        </a:spcAft>
+                      </a:pPr>
+                      <a:r>
+                        <a:rPr lang="en-BE" sz="2400" b="0" i="0" u="none" strike="noStrike" kern="1200">
+                          <a:solidFill>
+                            <a:schemeClr val="dk1"/>
+                          </a:solidFill>
+                          <a:effectLst/>
+                          <a:latin typeface="+mn-lt"/>
+                          <a:ea typeface="+mn-ea"/>
+                          <a:cs typeface="+mn-cs"/>
+                        </a:rPr>
+                        <a:t>0.54272</a:t>
+                      </a:r>
+                    </a:p>
+                  </a:txBody>
+                  <a:tcPr marL="127000" marR="127000" marT="63500" marB="63500"/>
+                </a:tc>
+                <a:tc>
+                  <a:txBody>
+                    <a:bodyPr/>
+                    <a:lstStyle/>
+                    <a:p>
+                      <a:pPr algn="just" rtl="0" fontAlgn="t">
+                        <a:spcBef>
+                          <a:spcPts val="0"/>
+                        </a:spcBef>
+                        <a:spcAft>
+                          <a:spcPts val="1200"/>
+                        </a:spcAft>
+                      </a:pPr>
+                      <a:r>
+                        <a:rPr lang="en-BE" sz="2400" b="0" i="0" u="none" strike="noStrike" kern="1200">
+                          <a:solidFill>
+                            <a:schemeClr val="dk1"/>
+                          </a:solidFill>
+                          <a:effectLst/>
+                          <a:latin typeface="+mn-lt"/>
+                          <a:ea typeface="+mn-ea"/>
+                          <a:cs typeface="+mn-cs"/>
+                        </a:rPr>
+                        <a:t>0.53928</a:t>
+                      </a:r>
+                    </a:p>
+                  </a:txBody>
+                  <a:tcPr marL="127000" marR="127000" marT="63500" marB="63500"/>
+                </a:tc>
+                <a:extLst>
+                  <a:ext uri="{0D108BD9-81ED-4DB2-BD59-A6C34878D82A}">
+                    <a16:rowId xmlns:a16="http://schemas.microsoft.com/office/drawing/2014/main" val="1185913689"/>
+                  </a:ext>
+                </a:extLst>
+              </a:tr>
+              <a:tr h="370840">
+                <a:tc>
+                  <a:txBody>
+                    <a:bodyPr/>
+                    <a:lstStyle/>
+                    <a:p>
+                      <a:pPr algn="just" rtl="0" fontAlgn="t">
+                        <a:spcBef>
+                          <a:spcPts val="0"/>
+                        </a:spcBef>
+                        <a:spcAft>
+                          <a:spcPts val="1200"/>
+                        </a:spcAft>
+                      </a:pPr>
+                      <a:r>
+                        <a:rPr lang="en-US" sz="2400" b="0" i="0" u="none" strike="noStrike" kern="1200">
+                          <a:solidFill>
+                            <a:schemeClr val="dk1"/>
+                          </a:solidFill>
+                          <a:effectLst/>
+                          <a:latin typeface="+mn-lt"/>
+                          <a:ea typeface="+mn-ea"/>
+                          <a:cs typeface="+mn-cs"/>
+                        </a:rPr>
+                        <a:t>Improvement</a:t>
+                      </a:r>
+                    </a:p>
+                  </a:txBody>
+                  <a:tcPr marL="127000" marR="127000" marT="63500" marB="63500"/>
+                </a:tc>
+                <a:tc>
+                  <a:txBody>
+                    <a:bodyPr/>
+                    <a:lstStyle/>
+                    <a:p>
+                      <a:pPr algn="just" rtl="0" fontAlgn="t">
+                        <a:spcBef>
+                          <a:spcPts val="0"/>
+                        </a:spcBef>
+                        <a:spcAft>
+                          <a:spcPts val="1200"/>
+                        </a:spcAft>
+                      </a:pPr>
+                      <a:r>
+                        <a:rPr lang="en-BE" sz="2400" b="0" i="0" u="none" strike="noStrike" kern="1200">
+                          <a:solidFill>
+                            <a:schemeClr val="dk1"/>
+                          </a:solidFill>
+                          <a:effectLst/>
+                          <a:latin typeface="+mn-lt"/>
+                          <a:ea typeface="+mn-ea"/>
+                          <a:cs typeface="+mn-cs"/>
+                        </a:rPr>
+                        <a:t>0.04314</a:t>
+                      </a:r>
+                    </a:p>
+                  </a:txBody>
+                  <a:tcPr marL="127000" marR="127000" marT="63500" marB="63500"/>
+                </a:tc>
+                <a:tc>
+                  <a:txBody>
+                    <a:bodyPr/>
+                    <a:lstStyle/>
+                    <a:p>
+                      <a:pPr algn="just" rtl="0" fontAlgn="t">
+                        <a:spcBef>
+                          <a:spcPts val="0"/>
+                        </a:spcBef>
+                        <a:spcAft>
+                          <a:spcPts val="1200"/>
+                        </a:spcAft>
+                      </a:pPr>
+                      <a:r>
+                        <a:rPr lang="en-BE" sz="2400" b="0" i="0" u="none" strike="noStrike" kern="1200" dirty="0">
+                          <a:solidFill>
+                            <a:schemeClr val="dk1"/>
+                          </a:solidFill>
+                          <a:effectLst/>
+                          <a:latin typeface="+mn-lt"/>
+                          <a:ea typeface="+mn-ea"/>
+                          <a:cs typeface="+mn-cs"/>
+                        </a:rPr>
+                        <a:t>0.04286</a:t>
+                      </a:r>
+                    </a:p>
+                  </a:txBody>
+                  <a:tcPr marL="127000" marR="127000" marT="63500" marB="63500"/>
+                </a:tc>
+                <a:extLst>
+                  <a:ext uri="{0D108BD9-81ED-4DB2-BD59-A6C34878D82A}">
+                    <a16:rowId xmlns:a16="http://schemas.microsoft.com/office/drawing/2014/main" val="1583479124"/>
+                  </a:ext>
+                </a:extLst>
+              </a:tr>
+            </a:tbl>
+          </a:graphicData>
+        </a:graphic>
+      </p:graphicFrame>
+    </p:spTree>
+    <p:extLst>
+      <p:ext uri="{BB962C8B-B14F-4D97-AF65-F5344CB8AC3E}">
+        <p14:creationId xmlns:p14="http://schemas.microsoft.com/office/powerpoint/2010/main" val="1755955584"/>
+      </p:ext>
+    </p:extLst>
+  </p:cSld>
+  <p:clrMapOvr>
+    <a:masterClrMapping/>
+  </p:clrMapOvr>
+</p:sld>
+</file>
+
+<file path=ppt/slides/slide16.xml><?xml version="1.0" encoding="utf-8"?>
+<p:sld xmlns:a="http://schemas.openxmlformats.org/drawingml/2006/main" xmlns:r="http://schemas.openxmlformats.org/officeDocument/2006/relationships" xmlns:p="http://schemas.openxmlformats.org/presentationml/2006/main">
+  <p:cSld>
+    <p:spTree>
+      <p:nvGrpSpPr>
+        <p:cNvPr id="1" name=""/>
+        <p:cNvGrpSpPr/>
+        <p:nvPr/>
+      </p:nvGrpSpPr>
+      <p:grpSpPr>
+        <a:xfrm>
+          <a:off x="0" y="0"/>
+          <a:ext cx="0" cy="0"/>
+          <a:chOff x="0" y="0"/>
+          <a:chExt cx="0" cy="0"/>
+        </a:xfrm>
+      </p:grpSpPr>
+      <p:sp>
+        <p:nvSpPr>
+          <p:cNvPr id="6" name="Title 5">
+            <a:extLst>
+              <a:ext uri="{FF2B5EF4-FFF2-40B4-BE49-F238E27FC236}">
+                <a16:creationId xmlns:a16="http://schemas.microsoft.com/office/drawing/2014/main" id="{23494FE7-D33E-49E5-9FED-BE14093B97DF}"/>
+              </a:ext>
+            </a:extLst>
+          </p:cNvPr>
+          <p:cNvSpPr>
+            <a:spLocks noGrp="1"/>
+          </p:cNvSpPr>
+          <p:nvPr>
+            <p:ph type="title"/>
+          </p:nvPr>
+        </p:nvSpPr>
+        <p:spPr/>
+        <p:txBody>
+          <a:bodyPr/>
+          <a:lstStyle/>
+          <a:p>
+            <a:r>
+              <a:rPr lang="en-US" noProof="0" dirty="0"/>
+              <a:t>Final Results - Labelling</a:t>
+            </a:r>
+          </a:p>
+        </p:txBody>
+      </p:sp>
+      <p:sp>
+        <p:nvSpPr>
+          <p:cNvPr id="3" name="Slide Number Placeholder 2">
+            <a:extLst>
+              <a:ext uri="{FF2B5EF4-FFF2-40B4-BE49-F238E27FC236}">
+                <a16:creationId xmlns:a16="http://schemas.microsoft.com/office/drawing/2014/main" id="{ADD9C863-A5D5-2E4E-BD1E-C5C0C33F5D39}"/>
+              </a:ext>
+            </a:extLst>
+          </p:cNvPr>
+          <p:cNvSpPr>
+            <a:spLocks noGrp="1"/>
+          </p:cNvSpPr>
+          <p:nvPr>
+            <p:ph type="sldNum" sz="quarter" idx="10"/>
+          </p:nvPr>
+        </p:nvSpPr>
+        <p:spPr>
+          <a:xfrm>
+            <a:off x="8923493" y="6339173"/>
+            <a:ext cx="2644619" cy="365125"/>
+          </a:xfrm>
+        </p:spPr>
+        <p:txBody>
+          <a:bodyPr/>
+          <a:lstStyle/>
+          <a:p>
+            <a:fld id="{E038E271-308C-2E46-A3EC-56326F9084CC}" type="slidenum">
+              <a:rPr lang="nl-BE" smtClean="0"/>
+              <a:pPr/>
+              <a:t>16</a:t>
+            </a:fld>
+            <a:endParaRPr lang="nl-BE" dirty="0"/>
+          </a:p>
+        </p:txBody>
+      </p:sp>
+      <p:sp>
+        <p:nvSpPr>
+          <p:cNvPr id="7" name="Text Placeholder 6">
+            <a:extLst>
+              <a:ext uri="{FF2B5EF4-FFF2-40B4-BE49-F238E27FC236}">
+                <a16:creationId xmlns:a16="http://schemas.microsoft.com/office/drawing/2014/main" id="{2D361F8A-5995-48A9-9138-5390614326DE}"/>
+              </a:ext>
+            </a:extLst>
+          </p:cNvPr>
+          <p:cNvSpPr>
+            <a:spLocks noGrp="1"/>
+          </p:cNvSpPr>
+          <p:nvPr>
+            <p:ph type="body" sz="quarter" idx="11"/>
+          </p:nvPr>
+        </p:nvSpPr>
+        <p:spPr/>
+        <p:txBody>
+          <a:bodyPr/>
+          <a:lstStyle/>
+          <a:p>
+            <a:r>
+              <a:rPr lang="nl-BE" dirty="0" err="1"/>
+              <a:t>Warning</a:t>
+            </a:r>
+            <a:r>
+              <a:rPr lang="nl-BE" dirty="0"/>
+              <a:t>: </a:t>
+            </a:r>
+            <a:r>
+              <a:rPr lang="nl-BE" dirty="0" err="1"/>
+              <a:t>Those</a:t>
+            </a:r>
+            <a:r>
+              <a:rPr lang="nl-BE" dirty="0"/>
+              <a:t> </a:t>
+            </a:r>
+            <a:r>
+              <a:rPr lang="nl-BE" dirty="0" err="1"/>
+              <a:t>results</a:t>
+            </a:r>
+            <a:r>
+              <a:rPr lang="nl-BE" dirty="0"/>
+              <a:t> </a:t>
+            </a:r>
+            <a:r>
+              <a:rPr lang="nl-BE" dirty="0" err="1"/>
+              <a:t>might</a:t>
+            </a:r>
+            <a:r>
+              <a:rPr lang="nl-BE" dirty="0"/>
+              <a:t> </a:t>
+            </a:r>
+            <a:r>
+              <a:rPr lang="nl-BE" dirty="0" err="1"/>
+              <a:t>not</a:t>
+            </a:r>
+            <a:r>
+              <a:rPr lang="nl-BE" dirty="0"/>
+              <a:t> </a:t>
+            </a:r>
+            <a:r>
+              <a:rPr lang="nl-BE" dirty="0" err="1"/>
+              <a:t>be</a:t>
+            </a:r>
+            <a:r>
+              <a:rPr lang="nl-BE" dirty="0"/>
+              <a:t> </a:t>
+            </a:r>
+            <a:r>
+              <a:rPr lang="nl-BE" dirty="0" err="1"/>
+              <a:t>representative</a:t>
+            </a:r>
+            <a:endParaRPr lang="nl-BE" dirty="0"/>
+          </a:p>
+        </p:txBody>
+      </p:sp>
+      <p:graphicFrame>
+        <p:nvGraphicFramePr>
+          <p:cNvPr id="5" name="Table 7">
+            <a:extLst>
+              <a:ext uri="{FF2B5EF4-FFF2-40B4-BE49-F238E27FC236}">
+                <a16:creationId xmlns:a16="http://schemas.microsoft.com/office/drawing/2014/main" id="{28DDF9D5-6FC7-4716-A82A-763921C698D6}"/>
+              </a:ext>
+            </a:extLst>
+          </p:cNvPr>
+          <p:cNvGraphicFramePr>
+            <a:graphicFrameLocks noGrp="1"/>
+          </p:cNvGraphicFramePr>
+          <p:nvPr>
+            <p:extLst>
+              <p:ext uri="{D42A27DB-BD31-4B8C-83A1-F6EECF244321}">
+                <p14:modId xmlns:p14="http://schemas.microsoft.com/office/powerpoint/2010/main" val="1222291341"/>
+              </p:ext>
+            </p:extLst>
+          </p:nvPr>
+        </p:nvGraphicFramePr>
+        <p:xfrm>
+          <a:off x="1084217" y="2443480"/>
+          <a:ext cx="10086587" cy="1971040"/>
+        </p:xfrm>
+        <a:graphic>
+          <a:graphicData uri="http://schemas.openxmlformats.org/drawingml/2006/table">
+            <a:tbl>
+              <a:tblPr firstRow="1" bandRow="1">
+                <a:tableStyleId>{5C22544A-7EE6-4342-B048-85BDC9FD1C3A}</a:tableStyleId>
+              </a:tblPr>
+              <a:tblGrid>
+                <a:gridCol w="4667921">
+                  <a:extLst>
+                    <a:ext uri="{9D8B030D-6E8A-4147-A177-3AD203B41FA5}">
+                      <a16:colId xmlns:a16="http://schemas.microsoft.com/office/drawing/2014/main" val="169228705"/>
+                    </a:ext>
+                  </a:extLst>
+                </a:gridCol>
+                <a:gridCol w="2709333">
+                  <a:extLst>
+                    <a:ext uri="{9D8B030D-6E8A-4147-A177-3AD203B41FA5}">
+                      <a16:colId xmlns:a16="http://schemas.microsoft.com/office/drawing/2014/main" val="3865403843"/>
+                    </a:ext>
+                  </a:extLst>
+                </a:gridCol>
+                <a:gridCol w="2709333">
+                  <a:extLst>
+                    <a:ext uri="{9D8B030D-6E8A-4147-A177-3AD203B41FA5}">
+                      <a16:colId xmlns:a16="http://schemas.microsoft.com/office/drawing/2014/main" val="597566586"/>
+                    </a:ext>
+                  </a:extLst>
+                </a:gridCol>
+              </a:tblGrid>
+              <a:tr h="370840">
+                <a:tc>
+                  <a:txBody>
+                    <a:bodyPr/>
+                    <a:lstStyle/>
+                    <a:p>
+                      <a:pPr marL="0" algn="ctr" defTabSz="1219140" rtl="0" eaLnBrk="1" fontAlgn="t" latinLnBrk="0" hangingPunct="1">
+                        <a:spcBef>
+                          <a:spcPts val="0"/>
+                        </a:spcBef>
+                        <a:spcAft>
+                          <a:spcPts val="1200"/>
+                        </a:spcAft>
+                      </a:pPr>
+                      <a:r>
+                        <a:rPr lang="en-US" sz="2400" b="1" kern="1200" dirty="0">
+                          <a:solidFill>
+                            <a:schemeClr val="lt1"/>
+                          </a:solidFill>
+                          <a:latin typeface="+mn-lt"/>
+                          <a:ea typeface="+mn-ea"/>
+                          <a:cs typeface="+mn-cs"/>
+                        </a:rPr>
+                        <a:t>Name</a:t>
+                      </a:r>
+                    </a:p>
+                  </a:txBody>
+                  <a:tcPr marL="127000" marR="127000" marT="63500" marB="63500"/>
+                </a:tc>
+                <a:tc>
+                  <a:txBody>
+                    <a:bodyPr/>
+                    <a:lstStyle/>
+                    <a:p>
+                      <a:pPr marL="0" algn="ctr" defTabSz="1219140" rtl="0" eaLnBrk="1" fontAlgn="t" latinLnBrk="0" hangingPunct="1">
+                        <a:spcBef>
+                          <a:spcPts val="0"/>
+                        </a:spcBef>
+                        <a:spcAft>
+                          <a:spcPts val="1200"/>
+                        </a:spcAft>
+                      </a:pPr>
+                      <a:r>
+                        <a:rPr lang="en-US" sz="2400" b="1" kern="1200" dirty="0">
+                          <a:solidFill>
+                            <a:schemeClr val="lt1"/>
+                          </a:solidFill>
+                          <a:latin typeface="+mn-lt"/>
+                          <a:ea typeface="+mn-ea"/>
+                          <a:cs typeface="+mn-cs"/>
+                        </a:rPr>
+                        <a:t>Recall</a:t>
+                      </a:r>
+                    </a:p>
+                  </a:txBody>
+                  <a:tcPr marL="127000" marR="127000" marT="63500" marB="63500"/>
+                </a:tc>
+                <a:tc>
+                  <a:txBody>
+                    <a:bodyPr/>
+                    <a:lstStyle/>
+                    <a:p>
+                      <a:pPr marL="0" algn="ctr" defTabSz="1219140" rtl="0" eaLnBrk="1" fontAlgn="t" latinLnBrk="0" hangingPunct="1">
+                        <a:spcBef>
+                          <a:spcPts val="0"/>
+                        </a:spcBef>
+                        <a:spcAft>
+                          <a:spcPts val="1200"/>
+                        </a:spcAft>
+                      </a:pPr>
+                      <a:r>
+                        <a:rPr lang="en-US" sz="2400" b="1" kern="1200" dirty="0">
+                          <a:solidFill>
+                            <a:schemeClr val="lt1"/>
+                          </a:solidFill>
+                          <a:latin typeface="+mn-lt"/>
+                          <a:ea typeface="+mn-ea"/>
+                          <a:cs typeface="+mn-cs"/>
+                        </a:rPr>
+                        <a:t>Precision</a:t>
+                      </a:r>
+                    </a:p>
+                  </a:txBody>
+                  <a:tcPr marL="127000" marR="127000" marT="63500" marB="63500"/>
+                </a:tc>
+                <a:extLst>
+                  <a:ext uri="{0D108BD9-81ED-4DB2-BD59-A6C34878D82A}">
+                    <a16:rowId xmlns:a16="http://schemas.microsoft.com/office/drawing/2014/main" val="2794916610"/>
+                  </a:ext>
+                </a:extLst>
+              </a:tr>
+              <a:tr h="370840">
+                <a:tc>
+                  <a:txBody>
+                    <a:bodyPr/>
+                    <a:lstStyle/>
+                    <a:p>
+                      <a:pPr algn="just" rtl="0" fontAlgn="t">
+                        <a:spcBef>
+                          <a:spcPts val="0"/>
+                        </a:spcBef>
+                        <a:spcAft>
+                          <a:spcPts val="1200"/>
+                        </a:spcAft>
+                      </a:pPr>
+                      <a:r>
+                        <a:rPr lang="en-US" sz="2400" b="0" i="0" u="none" strike="noStrike" kern="1200" dirty="0" err="1">
+                          <a:solidFill>
+                            <a:schemeClr val="dk1"/>
+                          </a:solidFill>
+                          <a:effectLst/>
+                          <a:latin typeface="+mn-lt"/>
+                          <a:ea typeface="+mn-ea"/>
+                          <a:cs typeface="+mn-cs"/>
+                        </a:rPr>
+                        <a:t>LuceneRetriever</a:t>
+                      </a:r>
+                      <a:endParaRPr lang="en-US" sz="2400" b="0" i="0" u="none" strike="noStrike" kern="1200" dirty="0">
+                        <a:solidFill>
+                          <a:schemeClr val="dk1"/>
+                        </a:solidFill>
+                        <a:effectLst/>
+                        <a:latin typeface="+mn-lt"/>
+                        <a:ea typeface="+mn-ea"/>
+                        <a:cs typeface="+mn-cs"/>
+                      </a:endParaRPr>
+                    </a:p>
+                  </a:txBody>
+                  <a:tcPr marL="127000" marR="127000" marT="63500" marB="63500"/>
+                </a:tc>
+                <a:tc>
+                  <a:txBody>
+                    <a:bodyPr/>
+                    <a:lstStyle/>
+                    <a:p>
+                      <a:pPr algn="just" rtl="0" fontAlgn="t">
+                        <a:spcBef>
+                          <a:spcPts val="0"/>
+                        </a:spcBef>
+                        <a:spcAft>
+                          <a:spcPts val="1200"/>
+                        </a:spcAft>
+                      </a:pPr>
+                      <a:r>
+                        <a:rPr lang="en-US" sz="2400" b="0" i="0" u="none" strike="noStrike" kern="1200">
+                          <a:solidFill>
+                            <a:schemeClr val="dk1"/>
+                          </a:solidFill>
+                          <a:effectLst/>
+                          <a:latin typeface="+mn-lt"/>
+                          <a:ea typeface="+mn-ea"/>
+                          <a:cs typeface="+mn-cs"/>
+                        </a:rPr>
+                        <a:t>UNKNOWN</a:t>
+                      </a:r>
+                    </a:p>
+                  </a:txBody>
+                  <a:tcPr marL="127000" marR="127000" marT="63500" marB="63500"/>
+                </a:tc>
+                <a:tc>
+                  <a:txBody>
+                    <a:bodyPr/>
+                    <a:lstStyle/>
+                    <a:p>
+                      <a:pPr algn="just" rtl="0" fontAlgn="t">
+                        <a:spcBef>
+                          <a:spcPts val="0"/>
+                        </a:spcBef>
+                        <a:spcAft>
+                          <a:spcPts val="1200"/>
+                        </a:spcAft>
+                      </a:pPr>
+                      <a:r>
+                        <a:rPr lang="en-BE" sz="2400" b="0" i="0" u="none" strike="noStrike" kern="1200">
+                          <a:solidFill>
+                            <a:schemeClr val="dk1"/>
+                          </a:solidFill>
+                          <a:effectLst/>
+                          <a:latin typeface="+mn-lt"/>
+                          <a:ea typeface="+mn-ea"/>
+                          <a:cs typeface="+mn-cs"/>
+                        </a:rPr>
+                        <a:t>0.49721</a:t>
+                      </a:r>
+                    </a:p>
+                  </a:txBody>
+                  <a:tcPr marL="127000" marR="127000" marT="63500" marB="63500"/>
+                </a:tc>
+                <a:extLst>
+                  <a:ext uri="{0D108BD9-81ED-4DB2-BD59-A6C34878D82A}">
+                    <a16:rowId xmlns:a16="http://schemas.microsoft.com/office/drawing/2014/main" val="2880366663"/>
+                  </a:ext>
+                </a:extLst>
+              </a:tr>
+              <a:tr h="370840">
+                <a:tc>
+                  <a:txBody>
+                    <a:bodyPr/>
+                    <a:lstStyle/>
+                    <a:p>
+                      <a:pPr algn="just" rtl="0" fontAlgn="t">
+                        <a:spcBef>
+                          <a:spcPts val="0"/>
+                        </a:spcBef>
+                        <a:spcAft>
+                          <a:spcPts val="1200"/>
+                        </a:spcAft>
+                      </a:pPr>
+                      <a:r>
+                        <a:rPr lang="en-US" sz="2400" b="0" i="0" u="none" strike="noStrike" kern="1200" dirty="0">
+                          <a:solidFill>
+                            <a:schemeClr val="dk1"/>
+                          </a:solidFill>
+                          <a:effectLst/>
+                          <a:latin typeface="+mn-lt"/>
+                          <a:ea typeface="+mn-ea"/>
+                          <a:cs typeface="+mn-cs"/>
+                        </a:rPr>
+                        <a:t>Optimized </a:t>
+                      </a:r>
+                      <a:r>
+                        <a:rPr lang="en-US" sz="2400" b="0" i="0" u="none" strike="noStrike" kern="1200" dirty="0" err="1">
+                          <a:solidFill>
+                            <a:schemeClr val="dk1"/>
+                          </a:solidFill>
+                          <a:effectLst/>
+                          <a:latin typeface="+mn-lt"/>
+                          <a:ea typeface="+mn-ea"/>
+                          <a:cs typeface="+mn-cs"/>
+                        </a:rPr>
+                        <a:t>LuceneCrossRetriever</a:t>
+                      </a:r>
+                      <a:endParaRPr lang="en-US" sz="2400" b="0" i="0" u="none" strike="noStrike" kern="1200" dirty="0">
+                        <a:solidFill>
+                          <a:schemeClr val="dk1"/>
+                        </a:solidFill>
+                        <a:effectLst/>
+                        <a:latin typeface="+mn-lt"/>
+                        <a:ea typeface="+mn-ea"/>
+                        <a:cs typeface="+mn-cs"/>
+                      </a:endParaRPr>
+                    </a:p>
+                  </a:txBody>
+                  <a:tcPr marL="127000" marR="127000" marT="63500" marB="63500"/>
+                </a:tc>
+                <a:tc>
+                  <a:txBody>
+                    <a:bodyPr/>
+                    <a:lstStyle/>
+                    <a:p>
+                      <a:pPr algn="just" rtl="0" fontAlgn="t">
+                        <a:spcBef>
+                          <a:spcPts val="0"/>
+                        </a:spcBef>
+                        <a:spcAft>
+                          <a:spcPts val="1200"/>
+                        </a:spcAft>
+                      </a:pPr>
+                      <a:r>
+                        <a:rPr lang="en-BE" sz="2400" b="0" i="0" u="none" strike="noStrike" kern="1200">
+                          <a:solidFill>
+                            <a:schemeClr val="dk1"/>
+                          </a:solidFill>
+                          <a:effectLst/>
+                          <a:latin typeface="+mn-lt"/>
+                          <a:ea typeface="+mn-ea"/>
+                          <a:cs typeface="+mn-cs"/>
+                        </a:rPr>
+                        <a:t>0.59636</a:t>
+                      </a:r>
+                    </a:p>
+                  </a:txBody>
+                  <a:tcPr marL="127000" marR="127000" marT="63500" marB="63500"/>
+                </a:tc>
+                <a:tc>
+                  <a:txBody>
+                    <a:bodyPr/>
+                    <a:lstStyle/>
+                    <a:p>
+                      <a:pPr algn="just" rtl="0" fontAlgn="t">
+                        <a:spcBef>
+                          <a:spcPts val="0"/>
+                        </a:spcBef>
+                        <a:spcAft>
+                          <a:spcPts val="1200"/>
+                        </a:spcAft>
+                      </a:pPr>
+                      <a:r>
+                        <a:rPr lang="en-BE" sz="2400" b="0" i="0" u="none" strike="noStrike" kern="1200">
+                          <a:solidFill>
+                            <a:schemeClr val="dk1"/>
+                          </a:solidFill>
+                          <a:effectLst/>
+                          <a:latin typeface="+mn-lt"/>
+                          <a:ea typeface="+mn-ea"/>
+                          <a:cs typeface="+mn-cs"/>
+                        </a:rPr>
+                        <a:t>0.68022</a:t>
+                      </a:r>
+                    </a:p>
+                  </a:txBody>
+                  <a:tcPr marL="127000" marR="127000" marT="63500" marB="63500"/>
+                </a:tc>
+                <a:extLst>
+                  <a:ext uri="{0D108BD9-81ED-4DB2-BD59-A6C34878D82A}">
+                    <a16:rowId xmlns:a16="http://schemas.microsoft.com/office/drawing/2014/main" val="2782131001"/>
+                  </a:ext>
+                </a:extLst>
+              </a:tr>
+              <a:tr h="370840">
+                <a:tc>
+                  <a:txBody>
+                    <a:bodyPr/>
+                    <a:lstStyle/>
+                    <a:p>
+                      <a:pPr algn="just" rtl="0" fontAlgn="t">
+                        <a:spcBef>
+                          <a:spcPts val="0"/>
+                        </a:spcBef>
+                        <a:spcAft>
+                          <a:spcPts val="1200"/>
+                        </a:spcAft>
+                      </a:pPr>
+                      <a:r>
+                        <a:rPr lang="en-US" sz="2400" b="0" i="0" u="none" strike="noStrike" kern="1200">
+                          <a:solidFill>
+                            <a:schemeClr val="dk1"/>
+                          </a:solidFill>
+                          <a:effectLst/>
+                          <a:latin typeface="+mn-lt"/>
+                          <a:ea typeface="+mn-ea"/>
+                          <a:cs typeface="+mn-cs"/>
+                        </a:rPr>
+                        <a:t>Improvement</a:t>
+                      </a:r>
+                    </a:p>
+                  </a:txBody>
+                  <a:tcPr marL="127000" marR="127000" marT="63500" marB="63500"/>
+                </a:tc>
+                <a:tc>
+                  <a:txBody>
+                    <a:bodyPr/>
+                    <a:lstStyle/>
+                    <a:p>
+                      <a:pPr algn="just" rtl="0" fontAlgn="t">
+                        <a:spcBef>
+                          <a:spcPts val="0"/>
+                        </a:spcBef>
+                        <a:spcAft>
+                          <a:spcPts val="1200"/>
+                        </a:spcAft>
+                      </a:pPr>
+                      <a:r>
+                        <a:rPr lang="en-US" sz="2400" b="0" i="0" u="none" strike="noStrike" kern="1200" dirty="0">
+                          <a:solidFill>
+                            <a:schemeClr val="dk1"/>
+                          </a:solidFill>
+                          <a:effectLst/>
+                          <a:latin typeface="+mn-lt"/>
+                          <a:ea typeface="+mn-ea"/>
+                          <a:cs typeface="+mn-cs"/>
+                        </a:rPr>
+                        <a:t>UNKNOWN</a:t>
+                      </a:r>
+                    </a:p>
+                  </a:txBody>
+                  <a:tcPr marL="127000" marR="127000" marT="63500" marB="63500"/>
+                </a:tc>
+                <a:tc>
+                  <a:txBody>
+                    <a:bodyPr/>
+                    <a:lstStyle/>
+                    <a:p>
+                      <a:pPr algn="just" rtl="0" fontAlgn="t">
+                        <a:spcBef>
+                          <a:spcPts val="0"/>
+                        </a:spcBef>
+                        <a:spcAft>
+                          <a:spcPts val="1200"/>
+                        </a:spcAft>
+                      </a:pPr>
+                      <a:r>
+                        <a:rPr lang="en-BE" sz="2400" b="0" i="0" u="none" strike="noStrike" kern="1200" dirty="0">
+                          <a:solidFill>
+                            <a:schemeClr val="dk1"/>
+                          </a:solidFill>
+                          <a:effectLst/>
+                          <a:latin typeface="+mn-lt"/>
+                          <a:ea typeface="+mn-ea"/>
+                          <a:cs typeface="+mn-cs"/>
+                        </a:rPr>
+                        <a:t>0.18301</a:t>
+                      </a:r>
+                    </a:p>
+                  </a:txBody>
+                  <a:tcPr marL="127000" marR="127000" marT="63500" marB="63500"/>
+                </a:tc>
+                <a:extLst>
+                  <a:ext uri="{0D108BD9-81ED-4DB2-BD59-A6C34878D82A}">
+                    <a16:rowId xmlns:a16="http://schemas.microsoft.com/office/drawing/2014/main" val="1969391699"/>
+                  </a:ext>
+                </a:extLst>
+              </a:tr>
+            </a:tbl>
+          </a:graphicData>
+        </a:graphic>
+      </p:graphicFrame>
+    </p:spTree>
+    <p:extLst>
+      <p:ext uri="{BB962C8B-B14F-4D97-AF65-F5344CB8AC3E}">
+        <p14:creationId xmlns:p14="http://schemas.microsoft.com/office/powerpoint/2010/main" val="4095680268"/>
+      </p:ext>
+    </p:extLst>
+  </p:cSld>
+  <p:clrMapOvr>
+    <a:masterClrMapping/>
+  </p:clrMapOvr>
+</p:sld>
+</file>
+
+<file path=ppt/slides/slide17.xml><?xml version="1.0" encoding="utf-8"?>
 <p:sld xmlns:a="http://schemas.openxmlformats.org/drawingml/2006/main" xmlns:r="http://schemas.openxmlformats.org/officeDocument/2006/relationships" xmlns:p="http://schemas.openxmlformats.org/presentationml/2006/main">
   <p:cSld>
     <p:spTree>
@@ -10764,7 +14744,7 @@
           <a:p>
             <a:r>
               <a:rPr lang="en-US" dirty="0"/>
-              <a:t>SBERT</a:t>
+              <a:t>Sentence-transformers Python library</a:t>
             </a:r>
           </a:p>
           <a:p>
@@ -11818,10 +15798,38 @@
       </p:grpSpPr>
       <p:sp>
         <p:nvSpPr>
-          <p:cNvPr id="2" name="Slide Number Placeholder 1">
+          <p:cNvPr id="6" name="Title 5">
             <a:extLst>
               <a:ext uri="{FF2B5EF4-FFF2-40B4-BE49-F238E27FC236}">
-                <a16:creationId xmlns:a16="http://schemas.microsoft.com/office/drawing/2014/main" id="{C9CCF7B1-B9AE-A34E-B504-44173987E70C}"/>
+                <a16:creationId xmlns:a16="http://schemas.microsoft.com/office/drawing/2014/main" id="{23494FE7-D33E-49E5-9FED-BE14093B97DF}"/>
+              </a:ext>
+            </a:extLst>
+          </p:cNvPr>
+          <p:cNvSpPr>
+            <a:spLocks noGrp="1"/>
+          </p:cNvSpPr>
+          <p:nvPr>
+            <p:ph type="title"/>
+          </p:nvPr>
+        </p:nvSpPr>
+        <p:spPr/>
+        <p:txBody>
+          <a:bodyPr/>
+          <a:lstStyle/>
+          <a:p>
+            <a:r>
+              <a:rPr lang="en-US" noProof="0" dirty="0"/>
+              <a:t>Model Scores</a:t>
+            </a:r>
+          </a:p>
+        </p:txBody>
+      </p:sp>
+      <p:sp>
+        <p:nvSpPr>
+          <p:cNvPr id="3" name="Slide Number Placeholder 2">
+            <a:extLst>
+              <a:ext uri="{FF2B5EF4-FFF2-40B4-BE49-F238E27FC236}">
+                <a16:creationId xmlns:a16="http://schemas.microsoft.com/office/drawing/2014/main" id="{ADD9C863-A5D5-2E4E-BD1E-C5C0C33F5D39}"/>
               </a:ext>
             </a:extLst>
           </p:cNvPr>
@@ -11843,20 +15851,20 @@
           <a:lstStyle/>
           <a:p>
             <a:fld id="{E038E271-308C-2E46-A3EC-56326F9084CC}" type="slidenum">
-              <a:rPr lang="en-US" smtClean="0"/>
+              <a:rPr lang="nl-BE" smtClean="0"/>
               <a:pPr/>
               <a:t>9</a:t>
             </a:fld>
-            <a:endParaRPr lang="en-US" dirty="0"/>
-          </a:p>
-        </p:txBody>
-      </p:sp>
-      <p:sp>
-        <p:nvSpPr>
-          <p:cNvPr id="8" name="Title 7">
+            <a:endParaRPr lang="nl-BE" dirty="0"/>
+          </a:p>
+        </p:txBody>
+      </p:sp>
+      <p:sp>
+        <p:nvSpPr>
+          <p:cNvPr id="7" name="Text Placeholder 6">
             <a:extLst>
               <a:ext uri="{FF2B5EF4-FFF2-40B4-BE49-F238E27FC236}">
-                <a16:creationId xmlns:a16="http://schemas.microsoft.com/office/drawing/2014/main" id="{8718D8DA-6885-4043-91C1-32FF4660B5E3}"/>
+                <a16:creationId xmlns:a16="http://schemas.microsoft.com/office/drawing/2014/main" id="{2D361F8A-5995-48A9-9138-5390614326DE}"/>
               </a:ext>
             </a:extLst>
           </p:cNvPr>
@@ -11864,7 +15872,7 @@
             <a:spLocks noGrp="1"/>
           </p:cNvSpPr>
           <p:nvPr>
-            <p:ph type="title"/>
+            <p:ph type="body" sz="quarter" idx="11"/>
           </p:nvPr>
         </p:nvSpPr>
         <p:spPr/>
@@ -11873,69 +15881,375 @@
           <a:lstStyle/>
           <a:p>
             <a:r>
-              <a:rPr lang="en-US" noProof="0" dirty="0"/>
-              <a:t>Done</a:t>
-            </a:r>
-          </a:p>
-        </p:txBody>
-      </p:sp>
-      <p:sp>
-        <p:nvSpPr>
-          <p:cNvPr id="9" name="Content Placeholder 8">
+              <a:rPr lang="nl-BE" dirty="0" err="1"/>
+              <a:t>BiCrossRetriever</a:t>
+            </a:r>
+            <a:r>
+              <a:rPr lang="nl-BE" dirty="0"/>
+              <a:t> </a:t>
+            </a:r>
+            <a:r>
+              <a:rPr lang="nl-BE" dirty="0" err="1"/>
+              <a:t>worse</a:t>
+            </a:r>
+            <a:r>
+              <a:rPr lang="nl-BE" dirty="0"/>
+              <a:t> </a:t>
+            </a:r>
+            <a:r>
+              <a:rPr lang="nl-BE" dirty="0" err="1"/>
+              <a:t>than</a:t>
+            </a:r>
+            <a:r>
+              <a:rPr lang="nl-BE" dirty="0"/>
+              <a:t> </a:t>
+            </a:r>
+            <a:r>
+              <a:rPr lang="nl-BE" dirty="0" err="1"/>
+              <a:t>expected</a:t>
+            </a:r>
+            <a:endParaRPr lang="nl-BE" dirty="0"/>
+          </a:p>
+          <a:p>
+            <a:r>
+              <a:rPr lang="nl-BE" dirty="0" err="1"/>
+              <a:t>LuceneRetriever</a:t>
+            </a:r>
+            <a:r>
+              <a:rPr lang="nl-BE" dirty="0"/>
+              <a:t> </a:t>
+            </a:r>
+            <a:r>
+              <a:rPr lang="nl-BE" dirty="0" err="1"/>
+              <a:t>still</a:t>
+            </a:r>
+            <a:r>
+              <a:rPr lang="nl-BE" dirty="0"/>
+              <a:t> best</a:t>
+            </a:r>
+          </a:p>
+          <a:p>
+            <a:r>
+              <a:rPr lang="nl-BE" dirty="0" err="1"/>
+              <a:t>LuceneCrossRetriever</a:t>
+            </a:r>
+            <a:r>
+              <a:rPr lang="nl-BE" dirty="0"/>
+              <a:t>: </a:t>
+            </a:r>
+            <a:r>
+              <a:rPr lang="nl-BE" dirty="0" err="1"/>
+              <a:t>combination</a:t>
+            </a:r>
+            <a:endParaRPr lang="nl-BE" dirty="0"/>
+          </a:p>
+        </p:txBody>
+      </p:sp>
+      <p:graphicFrame>
+        <p:nvGraphicFramePr>
+          <p:cNvPr id="2" name="Table 4">
             <a:extLst>
               <a:ext uri="{FF2B5EF4-FFF2-40B4-BE49-F238E27FC236}">
-                <a16:creationId xmlns:a16="http://schemas.microsoft.com/office/drawing/2014/main" id="{A8E9E0A9-1EA9-4516-9DC5-43A351E6F8A9}"/>
+                <a16:creationId xmlns:a16="http://schemas.microsoft.com/office/drawing/2014/main" id="{6786FB92-6CEF-496D-8C3C-76F2E25427BB}"/>
               </a:ext>
             </a:extLst>
           </p:cNvPr>
-          <p:cNvSpPr>
-            <a:spLocks noGrp="1"/>
-          </p:cNvSpPr>
-          <p:nvPr>
-            <p:ph sz="quarter" idx="12"/>
-          </p:nvPr>
-        </p:nvSpPr>
-        <p:spPr/>
-        <p:txBody>
-          <a:bodyPr/>
-          <a:lstStyle/>
-          <a:p>
-            <a:r>
-              <a:rPr lang="en-US" dirty="0"/>
-              <a:t>Applied SBERT documentation on our dataset</a:t>
-            </a:r>
-          </a:p>
-        </p:txBody>
-      </p:sp>
-      <p:pic>
-        <p:nvPicPr>
-          <p:cNvPr id="6" name="Picture Placeholder 5" descr="Text, letter&#10;&#10;Description automatically generated">
-            <a:extLst>
-              <a:ext uri="{FF2B5EF4-FFF2-40B4-BE49-F238E27FC236}">
-                <a16:creationId xmlns:a16="http://schemas.microsoft.com/office/drawing/2014/main" id="{67451D36-0F18-46D8-B153-DA5DF5A17BB4}"/>
-              </a:ext>
-            </a:extLst>
-          </p:cNvPr>
-          <p:cNvPicPr>
-            <a:picLocks noGrp="1" noChangeAspect="1"/>
-          </p:cNvPicPr>
-          <p:nvPr>
-            <p:ph type="pic" idx="1"/>
-          </p:nvPr>
-        </p:nvPicPr>
-        <p:blipFill>
-          <a:blip r:embed="rId3"/>
-          <a:srcRect l="24245" r="24245"/>
-          <a:stretch>
-            <a:fillRect/>
-          </a:stretch>
-        </p:blipFill>
-        <p:spPr/>
-      </p:pic>
+          <p:cNvGraphicFramePr>
+            <a:graphicFrameLocks noGrp="1"/>
+          </p:cNvGraphicFramePr>
+          <p:nvPr>
+            <p:extLst>
+              <p:ext uri="{D42A27DB-BD31-4B8C-83A1-F6EECF244321}">
+                <p14:modId xmlns:p14="http://schemas.microsoft.com/office/powerpoint/2010/main" val="4100659324"/>
+              </p:ext>
+            </p:extLst>
+          </p:nvPr>
+        </p:nvGraphicFramePr>
+        <p:xfrm>
+          <a:off x="2032000" y="3655973"/>
+          <a:ext cx="8127999" cy="1828800"/>
+        </p:xfrm>
+        <a:graphic>
+          <a:graphicData uri="http://schemas.openxmlformats.org/drawingml/2006/table">
+            <a:tbl>
+              <a:tblPr firstRow="1" bandRow="1">
+                <a:tableStyleId>{5C22544A-7EE6-4342-B048-85BDC9FD1C3A}</a:tableStyleId>
+              </a:tblPr>
+              <a:tblGrid>
+                <a:gridCol w="2905760">
+                  <a:extLst>
+                    <a:ext uri="{9D8B030D-6E8A-4147-A177-3AD203B41FA5}">
+                      <a16:colId xmlns:a16="http://schemas.microsoft.com/office/drawing/2014/main" val="1336070813"/>
+                    </a:ext>
+                  </a:extLst>
+                </a:gridCol>
+                <a:gridCol w="2512906">
+                  <a:extLst>
+                    <a:ext uri="{9D8B030D-6E8A-4147-A177-3AD203B41FA5}">
+                      <a16:colId xmlns:a16="http://schemas.microsoft.com/office/drawing/2014/main" val="3917320609"/>
+                    </a:ext>
+                  </a:extLst>
+                </a:gridCol>
+                <a:gridCol w="2709333">
+                  <a:extLst>
+                    <a:ext uri="{9D8B030D-6E8A-4147-A177-3AD203B41FA5}">
+                      <a16:colId xmlns:a16="http://schemas.microsoft.com/office/drawing/2014/main" val="1251046428"/>
+                    </a:ext>
+                  </a:extLst>
+                </a:gridCol>
+              </a:tblGrid>
+              <a:tr h="370840">
+                <a:tc>
+                  <a:txBody>
+                    <a:bodyPr/>
+                    <a:lstStyle/>
+                    <a:p>
+                      <a:r>
+                        <a:rPr lang="en-US" dirty="0"/>
+                        <a:t>Name</a:t>
+                      </a:r>
+                      <a:endParaRPr lang="en-BE" dirty="0"/>
+                    </a:p>
+                  </a:txBody>
+                  <a:tcPr/>
+                </a:tc>
+                <a:tc>
+                  <a:txBody>
+                    <a:bodyPr/>
+                    <a:lstStyle/>
+                    <a:p>
+                      <a:r>
+                        <a:rPr lang="en-US" dirty="0"/>
+                        <a:t>Recall@10</a:t>
+                      </a:r>
+                      <a:endParaRPr lang="en-BE" dirty="0"/>
+                    </a:p>
+                  </a:txBody>
+                  <a:tcPr/>
+                </a:tc>
+                <a:tc>
+                  <a:txBody>
+                    <a:bodyPr/>
+                    <a:lstStyle/>
+                    <a:p>
+                      <a:r>
+                        <a:rPr lang="en-US" dirty="0"/>
+                        <a:t>Precision@10</a:t>
+                      </a:r>
+                      <a:endParaRPr lang="en-BE" dirty="0"/>
+                    </a:p>
+                  </a:txBody>
+                  <a:tcPr/>
+                </a:tc>
+                <a:extLst>
+                  <a:ext uri="{0D108BD9-81ED-4DB2-BD59-A6C34878D82A}">
+                    <a16:rowId xmlns:a16="http://schemas.microsoft.com/office/drawing/2014/main" val="3771822658"/>
+                  </a:ext>
+                </a:extLst>
+              </a:tr>
+              <a:tr h="370840">
+                <a:tc>
+                  <a:txBody>
+                    <a:bodyPr/>
+                    <a:lstStyle/>
+                    <a:p>
+                      <a:r>
+                        <a:rPr lang="en-US" dirty="0" err="1"/>
+                        <a:t>LuceneRetriever</a:t>
+                      </a:r>
+                      <a:endParaRPr lang="en-BE" dirty="0"/>
+                    </a:p>
+                  </a:txBody>
+                  <a:tcPr/>
+                </a:tc>
+                <a:tc>
+                  <a:txBody>
+                    <a:bodyPr/>
+                    <a:lstStyle/>
+                    <a:p>
+                      <a:r>
+                        <a:rPr lang="en-BE" sz="2400" b="0" i="0" u="none" strike="noStrike" kern="1200" dirty="0">
+                          <a:solidFill>
+                            <a:schemeClr val="dk1"/>
+                          </a:solidFill>
+                          <a:effectLst/>
+                          <a:latin typeface="+mn-lt"/>
+                          <a:ea typeface="+mn-ea"/>
+                          <a:cs typeface="+mn-cs"/>
+                        </a:rPr>
+                        <a:t>0.49958</a:t>
+                      </a:r>
+                      <a:endParaRPr lang="en-BE" dirty="0"/>
+                    </a:p>
+                  </a:txBody>
+                  <a:tcPr/>
+                </a:tc>
+                <a:tc>
+                  <a:txBody>
+                    <a:bodyPr/>
+                    <a:lstStyle/>
+                    <a:p>
+                      <a:r>
+                        <a:rPr lang="en-BE" sz="2400" b="0" i="0" u="none" strike="noStrike" kern="1200" dirty="0">
+                          <a:solidFill>
+                            <a:schemeClr val="dk1"/>
+                          </a:solidFill>
+                          <a:effectLst/>
+                          <a:latin typeface="+mn-lt"/>
+                          <a:ea typeface="+mn-ea"/>
+                          <a:cs typeface="+mn-cs"/>
+                        </a:rPr>
+                        <a:t>0.49642</a:t>
+                      </a:r>
+                      <a:endParaRPr lang="en-BE" dirty="0"/>
+                    </a:p>
+                  </a:txBody>
+                  <a:tcPr/>
+                </a:tc>
+                <a:extLst>
+                  <a:ext uri="{0D108BD9-81ED-4DB2-BD59-A6C34878D82A}">
+                    <a16:rowId xmlns:a16="http://schemas.microsoft.com/office/drawing/2014/main" val="1229355038"/>
+                  </a:ext>
+                </a:extLst>
+              </a:tr>
+              <a:tr h="370840">
+                <a:tc>
+                  <a:txBody>
+                    <a:bodyPr/>
+                    <a:lstStyle/>
+                    <a:p>
+                      <a:r>
+                        <a:rPr lang="en-US" dirty="0" err="1"/>
+                        <a:t>BiCrossRetriever</a:t>
+                      </a:r>
+                      <a:endParaRPr lang="en-BE" dirty="0"/>
+                    </a:p>
+                  </a:txBody>
+                  <a:tcPr/>
+                </a:tc>
+                <a:tc>
+                  <a:txBody>
+                    <a:bodyPr/>
+                    <a:lstStyle/>
+                    <a:p>
+                      <a:r>
+                        <a:rPr lang="en-BE" sz="2400" b="0" i="0" u="none" strike="noStrike" kern="1200" dirty="0">
+                          <a:solidFill>
+                            <a:schemeClr val="dk1"/>
+                          </a:solidFill>
+                          <a:effectLst/>
+                          <a:latin typeface="+mn-lt"/>
+                          <a:ea typeface="+mn-ea"/>
+                          <a:cs typeface="+mn-cs"/>
+                        </a:rPr>
+                        <a:t>0.25137</a:t>
+                      </a:r>
+                      <a:endParaRPr lang="en-BE" dirty="0"/>
+                    </a:p>
+                  </a:txBody>
+                  <a:tcPr/>
+                </a:tc>
+                <a:tc>
+                  <a:txBody>
+                    <a:bodyPr/>
+                    <a:lstStyle/>
+                    <a:p>
+                      <a:r>
+                        <a:rPr lang="en-BE" sz="2400" b="0" i="0" u="none" strike="noStrike" kern="1200" dirty="0">
+                          <a:solidFill>
+                            <a:schemeClr val="dk1"/>
+                          </a:solidFill>
+                          <a:effectLst/>
+                          <a:latin typeface="+mn-lt"/>
+                          <a:ea typeface="+mn-ea"/>
+                          <a:cs typeface="+mn-cs"/>
+                        </a:rPr>
+                        <a:t>0.30258</a:t>
+                      </a:r>
+                      <a:endParaRPr lang="en-BE" dirty="0"/>
+                    </a:p>
+                  </a:txBody>
+                  <a:tcPr/>
+                </a:tc>
+                <a:extLst>
+                  <a:ext uri="{0D108BD9-81ED-4DB2-BD59-A6C34878D82A}">
+                    <a16:rowId xmlns:a16="http://schemas.microsoft.com/office/drawing/2014/main" val="311981414"/>
+                  </a:ext>
+                </a:extLst>
+              </a:tr>
+              <a:tr h="370840">
+                <a:tc>
+                  <a:txBody>
+                    <a:bodyPr/>
+                    <a:lstStyle/>
+                    <a:p>
+                      <a:r>
+                        <a:rPr lang="en-US" dirty="0" err="1"/>
+                        <a:t>LuceneCrossRetriever</a:t>
+                      </a:r>
+                      <a:endParaRPr lang="en-BE" dirty="0"/>
+                    </a:p>
+                  </a:txBody>
+                  <a:tcPr/>
+                </a:tc>
+                <a:tc>
+                  <a:txBody>
+                    <a:bodyPr/>
+                    <a:lstStyle/>
+                    <a:p>
+                      <a:r>
+                        <a:rPr lang="en-BE" sz="2400" b="0" i="0" u="none" strike="noStrike" kern="1200" dirty="0">
+                          <a:solidFill>
+                            <a:schemeClr val="dk1"/>
+                          </a:solidFill>
+                          <a:effectLst/>
+                          <a:latin typeface="+mn-lt"/>
+                          <a:ea typeface="+mn-ea"/>
+                          <a:cs typeface="+mn-cs"/>
+                        </a:rPr>
+                        <a:t>0.43721</a:t>
+                      </a:r>
+                      <a:endParaRPr lang="en-BE" dirty="0"/>
+                    </a:p>
+                  </a:txBody>
+                  <a:tcPr/>
+                </a:tc>
+                <a:tc>
+                  <a:txBody>
+                    <a:bodyPr/>
+                    <a:lstStyle/>
+                    <a:p>
+                      <a:r>
+                        <a:rPr lang="en-BE" sz="2400" b="0" i="0" u="none" strike="noStrike" kern="1200" dirty="0">
+                          <a:solidFill>
+                            <a:schemeClr val="dk1"/>
+                          </a:solidFill>
+                          <a:effectLst/>
+                          <a:latin typeface="+mn-lt"/>
+                          <a:ea typeface="+mn-ea"/>
+                          <a:cs typeface="+mn-cs"/>
+                        </a:rPr>
+                        <a:t>0.43416</a:t>
+                      </a:r>
+                      <a:endParaRPr lang="en-BE" dirty="0"/>
+                    </a:p>
+                  </a:txBody>
+                  <a:tcPr/>
+                </a:tc>
+                <a:extLst>
+                  <a:ext uri="{0D108BD9-81ED-4DB2-BD59-A6C34878D82A}">
+                    <a16:rowId xmlns:a16="http://schemas.microsoft.com/office/drawing/2014/main" val="1707400242"/>
+                  </a:ext>
+                </a:extLst>
+              </a:tr>
+            </a:tbl>
+          </a:graphicData>
+        </a:graphic>
+      </p:graphicFrame>
     </p:spTree>
     <p:extLst>
       <p:ext uri="{BB962C8B-B14F-4D97-AF65-F5344CB8AC3E}">
-        <p14:creationId xmlns:p14="http://schemas.microsoft.com/office/powerpoint/2010/main" val="4278158842"/>
+        <p14:creationId xmlns:p14="http://schemas.microsoft.com/office/powerpoint/2010/main" val="1923371752"/>
       </p:ext>
     </p:extLst>
   </p:cSld>
@@ -12266,7 +16580,7 @@
         </a:ln>
         <a:extLst>
           <a:ext uri="{91240B29-F687-4f45-9708-019B960494DF}">
-            <a14:hiddenLine xmlns:p="http://schemas.openxmlformats.org/presentationml/2006/main" xmlns="" xmlns:a14="http://schemas.microsoft.com/office/drawing/2010/main" w="9525">
+            <a14:hiddenLine xmlns:a14="http://schemas.microsoft.com/office/drawing/2010/main" xmlns="" xmlns:p="http://schemas.openxmlformats.org/presentationml/2006/main" w="9525">
               <a:solidFill>
                 <a:srgbClr val="000000"/>
               </a:solidFill>
@@ -12944,12 +17258,9 @@
 </file>
 
 <file path=customXml/item1.xml><?xml version="1.0" encoding="utf-8"?>
-<?mso-contentType ?>
-<FormTemplates xmlns="http://schemas.microsoft.com/sharepoint/v3/contenttype/forms">
-  <Display>DocumentLibraryForm</Display>
-  <Edit>DocumentLibraryForm</Edit>
-  <New>DocumentLibraryForm</New>
-</FormTemplates>
+<p:properties xmlns:p="http://schemas.microsoft.com/office/2006/metadata/properties" xmlns:xsi="http://www.w3.org/2001/XMLSchema-instance" xmlns:pc="http://schemas.microsoft.com/office/infopath/2007/PartnerControls">
+  <documentManagement/>
+</p:properties>
 </file>
 
 <file path=customXml/item2.xml><?xml version="1.0" encoding="utf-8"?>
@@ -13150,15 +17461,27 @@
 </file>
 
 <file path=customXml/item3.xml><?xml version="1.0" encoding="utf-8"?>
-<p:properties xmlns:p="http://schemas.microsoft.com/office/2006/metadata/properties" xmlns:xsi="http://www.w3.org/2001/XMLSchema-instance" xmlns:pc="http://schemas.microsoft.com/office/infopath/2007/PartnerControls">
-  <documentManagement/>
-</p:properties>
+<?mso-contentType ?>
+<FormTemplates xmlns="http://schemas.microsoft.com/sharepoint/v3/contenttype/forms">
+  <Display>DocumentLibraryForm</Display>
+  <Edit>DocumentLibraryForm</Edit>
+  <New>DocumentLibraryForm</New>
+</FormTemplates>
 </file>
 
 <file path=customXml/itemProps1.xml><?xml version="1.0" encoding="utf-8"?>
-<ds:datastoreItem xmlns:ds="http://schemas.openxmlformats.org/officeDocument/2006/customXml" ds:itemID="{5D6EDECA-2FC6-4CC6-BF57-774C7A66E703}">
+<ds:datastoreItem xmlns:ds="http://schemas.openxmlformats.org/officeDocument/2006/customXml" ds:itemID="{A5A93269-0A2D-4449-AFE7-E8570D6EC4CB}">
   <ds:schemaRefs>
-    <ds:schemaRef ds:uri="http://schemas.microsoft.com/sharepoint/v3/contenttype/forms"/>
+    <ds:schemaRef ds:uri="http://purl.org/dc/elements/1.1/"/>
+    <ds:schemaRef ds:uri="http://www.w3.org/XML/1998/namespace"/>
+    <ds:schemaRef ds:uri="http://schemas.microsoft.com/office/2006/metadata/properties"/>
+    <ds:schemaRef ds:uri="http://schemas.microsoft.com/office/2006/documentManagement/types"/>
+    <ds:schemaRef ds:uri="http://schemas.openxmlformats.org/package/2006/metadata/core-properties"/>
+    <ds:schemaRef ds:uri="e4e19ae9-58fe-4993-a35b-a8a84bb511ff"/>
+    <ds:schemaRef ds:uri="http://purl.org/dc/dcmitype/"/>
+    <ds:schemaRef ds:uri="http://schemas.microsoft.com/office/infopath/2007/PartnerControls"/>
+    <ds:schemaRef ds:uri="a09e4e9c-009f-4841-8876-57cddbde6e17"/>
+    <ds:schemaRef ds:uri="http://purl.org/dc/terms/"/>
   </ds:schemaRefs>
 </ds:datastoreItem>
 </file>
@@ -13183,18 +17506,9 @@
 </file>
 
 <file path=customXml/itemProps3.xml><?xml version="1.0" encoding="utf-8"?>
-<ds:datastoreItem xmlns:ds="http://schemas.openxmlformats.org/officeDocument/2006/customXml" ds:itemID="{A5A93269-0A2D-4449-AFE7-E8570D6EC4CB}">
+<ds:datastoreItem xmlns:ds="http://schemas.openxmlformats.org/officeDocument/2006/customXml" ds:itemID="{5D6EDECA-2FC6-4CC6-BF57-774C7A66E703}">
   <ds:schemaRefs>
-    <ds:schemaRef ds:uri="http://purl.org/dc/dcmitype/"/>
-    <ds:schemaRef ds:uri="http://www.w3.org/XML/1998/namespace"/>
-    <ds:schemaRef ds:uri="http://schemas.microsoft.com/office/2006/documentManagement/types"/>
-    <ds:schemaRef ds:uri="http://schemas.microsoft.com/office/2006/metadata/properties"/>
-    <ds:schemaRef ds:uri="a09e4e9c-009f-4841-8876-57cddbde6e17"/>
-    <ds:schemaRef ds:uri="http://schemas.openxmlformats.org/package/2006/metadata/core-properties"/>
-    <ds:schemaRef ds:uri="http://purl.org/dc/terms/"/>
-    <ds:schemaRef ds:uri="http://schemas.microsoft.com/office/infopath/2007/PartnerControls"/>
-    <ds:schemaRef ds:uri="e4e19ae9-58fe-4993-a35b-a8a84bb511ff"/>
-    <ds:schemaRef ds:uri="http://purl.org/dc/elements/1.1/"/>
+    <ds:schemaRef ds:uri="http://schemas.microsoft.com/sharepoint/v3/contenttype/forms"/>
   </ds:schemaRefs>
 </ds:datastoreItem>
 </file>